--- a/材料/陈鲁超毕业答辩.pptx
+++ b/材料/陈鲁超毕业答辩.pptx
@@ -231,7 +231,7 @@
           <a:p>
             <a:fld id="{C2159322-6C85-4127-9E81-7F8BF0D70E1A}" type="datetimeFigureOut">
               <a:rPr lang="zh-CN" altLang="en-US" smtClean="0"/>
-              <a:t>2019/6/7</a:t>
+              <a:t>2019/6/10</a:t>
             </a:fld>
             <a:endParaRPr lang="zh-CN" altLang="en-US"/>
           </a:p>
@@ -804,7 +804,7 @@
           <a:p>
             <a:fld id="{F71449F7-5D90-411E-B63D-8723CE855B03}" type="datetimeFigureOut">
               <a:rPr lang="zh-CN" altLang="en-US" smtClean="0"/>
-              <a:t>2019/6/7</a:t>
+              <a:t>2019/6/10</a:t>
             </a:fld>
             <a:endParaRPr lang="zh-CN" altLang="en-US"/>
           </a:p>
@@ -1540,7 +1540,7 @@
           <a:p>
             <a:fld id="{F71449F7-5D90-411E-B63D-8723CE855B03}" type="datetimeFigureOut">
               <a:rPr lang="zh-CN" altLang="en-US" smtClean="0"/>
-              <a:t>2019/6/7</a:t>
+              <a:t>2019/6/10</a:t>
             </a:fld>
             <a:endParaRPr lang="zh-CN" altLang="en-US"/>
           </a:p>
@@ -1710,7 +1710,7 @@
           <a:p>
             <a:fld id="{F71449F7-5D90-411E-B63D-8723CE855B03}" type="datetimeFigureOut">
               <a:rPr lang="zh-CN" altLang="en-US" smtClean="0"/>
-              <a:t>2019/6/7</a:t>
+              <a:t>2019/6/10</a:t>
             </a:fld>
             <a:endParaRPr lang="zh-CN" altLang="en-US"/>
           </a:p>
@@ -1890,7 +1890,7 @@
           <a:p>
             <a:fld id="{F71449F7-5D90-411E-B63D-8723CE855B03}" type="datetimeFigureOut">
               <a:rPr lang="zh-CN" altLang="en-US" smtClean="0"/>
-              <a:t>2019/6/7</a:t>
+              <a:t>2019/6/10</a:t>
             </a:fld>
             <a:endParaRPr lang="zh-CN" altLang="en-US"/>
           </a:p>
@@ -3156,7 +3156,7 @@
           <a:p>
             <a:fld id="{F71449F7-5D90-411E-B63D-8723CE855B03}" type="datetimeFigureOut">
               <a:rPr lang="zh-CN" altLang="en-US" smtClean="0"/>
-              <a:t>2019/6/7</a:t>
+              <a:t>2019/6/10</a:t>
             </a:fld>
             <a:endParaRPr lang="zh-CN" altLang="en-US"/>
           </a:p>
@@ -3388,7 +3388,7 @@
           <a:p>
             <a:fld id="{F71449F7-5D90-411E-B63D-8723CE855B03}" type="datetimeFigureOut">
               <a:rPr lang="zh-CN" altLang="en-US" smtClean="0"/>
-              <a:t>2019/6/7</a:t>
+              <a:t>2019/6/10</a:t>
             </a:fld>
             <a:endParaRPr lang="zh-CN" altLang="en-US"/>
           </a:p>
@@ -3755,7 +3755,7 @@
           <a:p>
             <a:fld id="{F71449F7-5D90-411E-B63D-8723CE855B03}" type="datetimeFigureOut">
               <a:rPr lang="zh-CN" altLang="en-US" smtClean="0"/>
-              <a:t>2019/6/7</a:t>
+              <a:t>2019/6/10</a:t>
             </a:fld>
             <a:endParaRPr lang="zh-CN" altLang="en-US"/>
           </a:p>
@@ -3873,7 +3873,7 @@
           <a:p>
             <a:fld id="{F71449F7-5D90-411E-B63D-8723CE855B03}" type="datetimeFigureOut">
               <a:rPr lang="zh-CN" altLang="en-US" smtClean="0"/>
-              <a:t>2019/6/7</a:t>
+              <a:t>2019/6/10</a:t>
             </a:fld>
             <a:endParaRPr lang="zh-CN" altLang="en-US"/>
           </a:p>
@@ -3968,7 +3968,7 @@
           <a:p>
             <a:fld id="{F71449F7-5D90-411E-B63D-8723CE855B03}" type="datetimeFigureOut">
               <a:rPr lang="zh-CN" altLang="en-US" smtClean="0"/>
-              <a:t>2019/6/7</a:t>
+              <a:t>2019/6/10</a:t>
             </a:fld>
             <a:endParaRPr lang="zh-CN" altLang="en-US"/>
           </a:p>
@@ -4184,7 +4184,7 @@
           <a:p>
             <a:fld id="{F71449F7-5D90-411E-B63D-8723CE855B03}" type="datetimeFigureOut">
               <a:rPr lang="zh-CN" altLang="en-US" smtClean="0"/>
-              <a:t>2019/6/7</a:t>
+              <a:t>2019/6/10</a:t>
             </a:fld>
             <a:endParaRPr lang="zh-CN" altLang="en-US"/>
           </a:p>
@@ -5560,6 +5560,429 @@
   <p:clrMapOvr>
     <a:masterClrMapping/>
   </p:clrMapOvr>
+  <p:timing>
+    <p:tnLst>
+      <p:par>
+        <p:cTn id="1" dur="indefinite" restart="never" nodeType="tmRoot">
+          <p:childTnLst>
+            <p:seq concurrent="1" nextAc="seek">
+              <p:cTn id="2" dur="indefinite" nodeType="mainSeq">
+                <p:childTnLst>
+                  <p:par>
+                    <p:cTn id="3" fill="hold">
+                      <p:stCondLst>
+                        <p:cond delay="indefinite"/>
+                        <p:cond evt="onBegin" delay="0">
+                          <p:tn val="2"/>
+                        </p:cond>
+                      </p:stCondLst>
+                      <p:childTnLst>
+                        <p:par>
+                          <p:cTn id="4" fill="hold">
+                            <p:stCondLst>
+                              <p:cond delay="0"/>
+                            </p:stCondLst>
+                            <p:childTnLst>
+                              <p:par>
+                                <p:cTn id="5" presetID="2" presetClass="entr" presetSubtype="4" fill="hold" grpId="0" nodeType="withEffect">
+                                  <p:stCondLst>
+                                    <p:cond delay="0"/>
+                                  </p:stCondLst>
+                                  <p:childTnLst>
+                                    <p:set>
+                                      <p:cBhvr>
+                                        <p:cTn id="6" dur="1" fill="hold">
+                                          <p:stCondLst>
+                                            <p:cond delay="0"/>
+                                          </p:stCondLst>
+                                        </p:cTn>
+                                        <p:tgtEl>
+                                          <p:spTgt spid="10"/>
+                                        </p:tgtEl>
+                                        <p:attrNameLst>
+                                          <p:attrName>style.visibility</p:attrName>
+                                        </p:attrNameLst>
+                                      </p:cBhvr>
+                                      <p:to>
+                                        <p:strVal val="visible"/>
+                                      </p:to>
+                                    </p:set>
+                                    <p:anim calcmode="lin" valueType="num">
+                                      <p:cBhvr additive="base">
+                                        <p:cTn id="7" dur="500" fill="hold"/>
+                                        <p:tgtEl>
+                                          <p:spTgt spid="10"/>
+                                        </p:tgtEl>
+                                        <p:attrNameLst>
+                                          <p:attrName>ppt_x</p:attrName>
+                                        </p:attrNameLst>
+                                      </p:cBhvr>
+                                      <p:tavLst>
+                                        <p:tav tm="0">
+                                          <p:val>
+                                            <p:strVal val="#ppt_x"/>
+                                          </p:val>
+                                        </p:tav>
+                                        <p:tav tm="100000">
+                                          <p:val>
+                                            <p:strVal val="#ppt_x"/>
+                                          </p:val>
+                                        </p:tav>
+                                      </p:tavLst>
+                                    </p:anim>
+                                    <p:anim calcmode="lin" valueType="num">
+                                      <p:cBhvr additive="base">
+                                        <p:cTn id="8" dur="500" fill="hold"/>
+                                        <p:tgtEl>
+                                          <p:spTgt spid="10"/>
+                                        </p:tgtEl>
+                                        <p:attrNameLst>
+                                          <p:attrName>ppt_y</p:attrName>
+                                        </p:attrNameLst>
+                                      </p:cBhvr>
+                                      <p:tavLst>
+                                        <p:tav tm="0">
+                                          <p:val>
+                                            <p:strVal val="1+#ppt_h/2"/>
+                                          </p:val>
+                                        </p:tav>
+                                        <p:tav tm="100000">
+                                          <p:val>
+                                            <p:strVal val="#ppt_y"/>
+                                          </p:val>
+                                        </p:tav>
+                                      </p:tavLst>
+                                    </p:anim>
+                                  </p:childTnLst>
+                                </p:cTn>
+                              </p:par>
+                              <p:par>
+                                <p:cTn id="9" presetID="2" presetClass="entr" presetSubtype="4" fill="hold" nodeType="withEffect">
+                                  <p:stCondLst>
+                                    <p:cond delay="0"/>
+                                  </p:stCondLst>
+                                  <p:childTnLst>
+                                    <p:set>
+                                      <p:cBhvr>
+                                        <p:cTn id="10" dur="1" fill="hold">
+                                          <p:stCondLst>
+                                            <p:cond delay="0"/>
+                                          </p:stCondLst>
+                                        </p:cTn>
+                                        <p:tgtEl>
+                                          <p:spTgt spid="3"/>
+                                        </p:tgtEl>
+                                        <p:attrNameLst>
+                                          <p:attrName>style.visibility</p:attrName>
+                                        </p:attrNameLst>
+                                      </p:cBhvr>
+                                      <p:to>
+                                        <p:strVal val="visible"/>
+                                      </p:to>
+                                    </p:set>
+                                    <p:anim calcmode="lin" valueType="num">
+                                      <p:cBhvr additive="base">
+                                        <p:cTn id="11" dur="500" fill="hold"/>
+                                        <p:tgtEl>
+                                          <p:spTgt spid="3"/>
+                                        </p:tgtEl>
+                                        <p:attrNameLst>
+                                          <p:attrName>ppt_x</p:attrName>
+                                        </p:attrNameLst>
+                                      </p:cBhvr>
+                                      <p:tavLst>
+                                        <p:tav tm="0">
+                                          <p:val>
+                                            <p:strVal val="#ppt_x"/>
+                                          </p:val>
+                                        </p:tav>
+                                        <p:tav tm="100000">
+                                          <p:val>
+                                            <p:strVal val="#ppt_x"/>
+                                          </p:val>
+                                        </p:tav>
+                                      </p:tavLst>
+                                    </p:anim>
+                                    <p:anim calcmode="lin" valueType="num">
+                                      <p:cBhvr additive="base">
+                                        <p:cTn id="12" dur="500" fill="hold"/>
+                                        <p:tgtEl>
+                                          <p:spTgt spid="3"/>
+                                        </p:tgtEl>
+                                        <p:attrNameLst>
+                                          <p:attrName>ppt_y</p:attrName>
+                                        </p:attrNameLst>
+                                      </p:cBhvr>
+                                      <p:tavLst>
+                                        <p:tav tm="0">
+                                          <p:val>
+                                            <p:strVal val="1+#ppt_h/2"/>
+                                          </p:val>
+                                        </p:tav>
+                                        <p:tav tm="100000">
+                                          <p:val>
+                                            <p:strVal val="#ppt_y"/>
+                                          </p:val>
+                                        </p:tav>
+                                      </p:tavLst>
+                                    </p:anim>
+                                  </p:childTnLst>
+                                </p:cTn>
+                              </p:par>
+                            </p:childTnLst>
+                          </p:cTn>
+                        </p:par>
+                        <p:par>
+                          <p:cTn id="13" fill="hold">
+                            <p:stCondLst>
+                              <p:cond delay="500"/>
+                            </p:stCondLst>
+                            <p:childTnLst>
+                              <p:par>
+                                <p:cTn id="14" presetID="10" presetClass="entr" presetSubtype="0" fill="hold" nodeType="afterEffect">
+                                  <p:stCondLst>
+                                    <p:cond delay="0"/>
+                                  </p:stCondLst>
+                                  <p:childTnLst>
+                                    <p:set>
+                                      <p:cBhvr>
+                                        <p:cTn id="15" dur="1" fill="hold">
+                                          <p:stCondLst>
+                                            <p:cond delay="0"/>
+                                          </p:stCondLst>
+                                        </p:cTn>
+                                        <p:tgtEl>
+                                          <p:spTgt spid="27"/>
+                                        </p:tgtEl>
+                                        <p:attrNameLst>
+                                          <p:attrName>style.visibility</p:attrName>
+                                        </p:attrNameLst>
+                                      </p:cBhvr>
+                                      <p:to>
+                                        <p:strVal val="visible"/>
+                                      </p:to>
+                                    </p:set>
+                                    <p:animEffect transition="in" filter="fade">
+                                      <p:cBhvr>
+                                        <p:cTn id="16" dur="500"/>
+                                        <p:tgtEl>
+                                          <p:spTgt spid="27"/>
+                                        </p:tgtEl>
+                                      </p:cBhvr>
+                                    </p:animEffect>
+                                  </p:childTnLst>
+                                </p:cTn>
+                              </p:par>
+                              <p:par>
+                                <p:cTn id="17" presetID="10" presetClass="entr" presetSubtype="0" fill="hold" grpId="0" nodeType="withEffect">
+                                  <p:stCondLst>
+                                    <p:cond delay="0"/>
+                                  </p:stCondLst>
+                                  <p:childTnLst>
+                                    <p:set>
+                                      <p:cBhvr>
+                                        <p:cTn id="18" dur="1" fill="hold">
+                                          <p:stCondLst>
+                                            <p:cond delay="0"/>
+                                          </p:stCondLst>
+                                        </p:cTn>
+                                        <p:tgtEl>
+                                          <p:spTgt spid="11"/>
+                                        </p:tgtEl>
+                                        <p:attrNameLst>
+                                          <p:attrName>style.visibility</p:attrName>
+                                        </p:attrNameLst>
+                                      </p:cBhvr>
+                                      <p:to>
+                                        <p:strVal val="visible"/>
+                                      </p:to>
+                                    </p:set>
+                                    <p:animEffect transition="in" filter="fade">
+                                      <p:cBhvr>
+                                        <p:cTn id="19" dur="500"/>
+                                        <p:tgtEl>
+                                          <p:spTgt spid="11"/>
+                                        </p:tgtEl>
+                                      </p:cBhvr>
+                                    </p:animEffect>
+                                  </p:childTnLst>
+                                </p:cTn>
+                              </p:par>
+                              <p:par>
+                                <p:cTn id="20" presetID="10" presetClass="entr" presetSubtype="0" fill="hold" grpId="0" nodeType="withEffect">
+                                  <p:stCondLst>
+                                    <p:cond delay="0"/>
+                                  </p:stCondLst>
+                                  <p:childTnLst>
+                                    <p:set>
+                                      <p:cBhvr>
+                                        <p:cTn id="21" dur="1" fill="hold">
+                                          <p:stCondLst>
+                                            <p:cond delay="0"/>
+                                          </p:stCondLst>
+                                        </p:cTn>
+                                        <p:tgtEl>
+                                          <p:spTgt spid="26"/>
+                                        </p:tgtEl>
+                                        <p:attrNameLst>
+                                          <p:attrName>style.visibility</p:attrName>
+                                        </p:attrNameLst>
+                                      </p:cBhvr>
+                                      <p:to>
+                                        <p:strVal val="visible"/>
+                                      </p:to>
+                                    </p:set>
+                                    <p:animEffect transition="in" filter="fade">
+                                      <p:cBhvr>
+                                        <p:cTn id="22" dur="500"/>
+                                        <p:tgtEl>
+                                          <p:spTgt spid="26"/>
+                                        </p:tgtEl>
+                                      </p:cBhvr>
+                                    </p:animEffect>
+                                  </p:childTnLst>
+                                </p:cTn>
+                              </p:par>
+                              <p:par>
+                                <p:cTn id="23" presetID="10" presetClass="entr" presetSubtype="0" fill="hold" grpId="0" nodeType="withEffect">
+                                  <p:stCondLst>
+                                    <p:cond delay="0"/>
+                                  </p:stCondLst>
+                                  <p:childTnLst>
+                                    <p:set>
+                                      <p:cBhvr>
+                                        <p:cTn id="24" dur="1" fill="hold">
+                                          <p:stCondLst>
+                                            <p:cond delay="0"/>
+                                          </p:stCondLst>
+                                        </p:cTn>
+                                        <p:tgtEl>
+                                          <p:spTgt spid="22"/>
+                                        </p:tgtEl>
+                                        <p:attrNameLst>
+                                          <p:attrName>style.visibility</p:attrName>
+                                        </p:attrNameLst>
+                                      </p:cBhvr>
+                                      <p:to>
+                                        <p:strVal val="visible"/>
+                                      </p:to>
+                                    </p:set>
+                                    <p:animEffect transition="in" filter="fade">
+                                      <p:cBhvr>
+                                        <p:cTn id="25" dur="500"/>
+                                        <p:tgtEl>
+                                          <p:spTgt spid="22"/>
+                                        </p:tgtEl>
+                                      </p:cBhvr>
+                                    </p:animEffect>
+                                  </p:childTnLst>
+                                </p:cTn>
+                              </p:par>
+                              <p:par>
+                                <p:cTn id="26" presetID="10" presetClass="entr" presetSubtype="0" fill="hold" grpId="0" nodeType="withEffect">
+                                  <p:stCondLst>
+                                    <p:cond delay="0"/>
+                                  </p:stCondLst>
+                                  <p:childTnLst>
+                                    <p:set>
+                                      <p:cBhvr>
+                                        <p:cTn id="27" dur="1" fill="hold">
+                                          <p:stCondLst>
+                                            <p:cond delay="0"/>
+                                          </p:stCondLst>
+                                        </p:cTn>
+                                        <p:tgtEl>
+                                          <p:spTgt spid="20"/>
+                                        </p:tgtEl>
+                                        <p:attrNameLst>
+                                          <p:attrName>style.visibility</p:attrName>
+                                        </p:attrNameLst>
+                                      </p:cBhvr>
+                                      <p:to>
+                                        <p:strVal val="visible"/>
+                                      </p:to>
+                                    </p:set>
+                                    <p:animEffect transition="in" filter="fade">
+                                      <p:cBhvr>
+                                        <p:cTn id="28" dur="500"/>
+                                        <p:tgtEl>
+                                          <p:spTgt spid="20"/>
+                                        </p:tgtEl>
+                                      </p:cBhvr>
+                                    </p:animEffect>
+                                  </p:childTnLst>
+                                </p:cTn>
+                              </p:par>
+                              <p:par>
+                                <p:cTn id="29" presetID="10" presetClass="entr" presetSubtype="0" fill="hold" nodeType="withEffect">
+                                  <p:stCondLst>
+                                    <p:cond delay="0"/>
+                                  </p:stCondLst>
+                                  <p:childTnLst>
+                                    <p:set>
+                                      <p:cBhvr>
+                                        <p:cTn id="30" dur="1" fill="hold">
+                                          <p:stCondLst>
+                                            <p:cond delay="0"/>
+                                          </p:stCondLst>
+                                        </p:cTn>
+                                        <p:tgtEl>
+                                          <p:spTgt spid="14"/>
+                                        </p:tgtEl>
+                                        <p:attrNameLst>
+                                          <p:attrName>style.visibility</p:attrName>
+                                        </p:attrNameLst>
+                                      </p:cBhvr>
+                                      <p:to>
+                                        <p:strVal val="visible"/>
+                                      </p:to>
+                                    </p:set>
+                                    <p:animEffect transition="in" filter="fade">
+                                      <p:cBhvr>
+                                        <p:cTn id="31" dur="500"/>
+                                        <p:tgtEl>
+                                          <p:spTgt spid="14"/>
+                                        </p:tgtEl>
+                                      </p:cBhvr>
+                                    </p:animEffect>
+                                  </p:childTnLst>
+                                </p:cTn>
+                              </p:par>
+                            </p:childTnLst>
+                          </p:cTn>
+                        </p:par>
+                      </p:childTnLst>
+                    </p:cTn>
+                  </p:par>
+                </p:childTnLst>
+              </p:cTn>
+              <p:prevCondLst>
+                <p:cond evt="onPrev" delay="0">
+                  <p:tgtEl>
+                    <p:sldTgt/>
+                  </p:tgtEl>
+                </p:cond>
+              </p:prevCondLst>
+              <p:nextCondLst>
+                <p:cond evt="onNext" delay="0">
+                  <p:tgtEl>
+                    <p:sldTgt/>
+                  </p:tgtEl>
+                </p:cond>
+              </p:nextCondLst>
+            </p:seq>
+          </p:childTnLst>
+        </p:cTn>
+      </p:par>
+    </p:tnLst>
+    <p:bldLst>
+      <p:bldP spid="10" grpId="0" animBg="1"/>
+      <p:bldP spid="11" grpId="0"/>
+      <p:bldP spid="20" grpId="0"/>
+      <p:bldP spid="22" grpId="0"/>
+      <p:bldP spid="26" grpId="0"/>
+    </p:bldLst>
+  </p:timing>
 </p:sld>
 </file>
 
@@ -6705,6 +7128,593 @@
   <p:clrMapOvr>
     <a:masterClrMapping/>
   </p:clrMapOvr>
+  <p:transition spd="slow">
+    <p:push dir="u"/>
+  </p:transition>
+  <p:timing>
+    <p:tnLst>
+      <p:par>
+        <p:cTn id="1" dur="indefinite" restart="never" nodeType="tmRoot">
+          <p:childTnLst>
+            <p:seq concurrent="1" nextAc="seek">
+              <p:cTn id="2" dur="indefinite" nodeType="mainSeq">
+                <p:childTnLst>
+                  <p:par>
+                    <p:cTn id="3" fill="hold">
+                      <p:stCondLst>
+                        <p:cond delay="indefinite"/>
+                        <p:cond evt="onBegin" delay="0">
+                          <p:tn val="2"/>
+                        </p:cond>
+                      </p:stCondLst>
+                      <p:childTnLst>
+                        <p:par>
+                          <p:cTn id="4" fill="hold">
+                            <p:stCondLst>
+                              <p:cond delay="0"/>
+                            </p:stCondLst>
+                            <p:childTnLst>
+                              <p:par>
+                                <p:cTn id="5" presetID="10" presetClass="entr" presetSubtype="0" fill="hold" grpId="0" nodeType="afterEffect">
+                                  <p:stCondLst>
+                                    <p:cond delay="0"/>
+                                  </p:stCondLst>
+                                  <p:childTnLst>
+                                    <p:set>
+                                      <p:cBhvr>
+                                        <p:cTn id="6" dur="1" fill="hold">
+                                          <p:stCondLst>
+                                            <p:cond delay="0"/>
+                                          </p:stCondLst>
+                                        </p:cTn>
+                                        <p:tgtEl>
+                                          <p:spTgt spid="5"/>
+                                        </p:tgtEl>
+                                        <p:attrNameLst>
+                                          <p:attrName>style.visibility</p:attrName>
+                                        </p:attrNameLst>
+                                      </p:cBhvr>
+                                      <p:to>
+                                        <p:strVal val="visible"/>
+                                      </p:to>
+                                    </p:set>
+                                    <p:animEffect transition="in" filter="fade">
+                                      <p:cBhvr>
+                                        <p:cTn id="7" dur="500"/>
+                                        <p:tgtEl>
+                                          <p:spTgt spid="5"/>
+                                        </p:tgtEl>
+                                      </p:cBhvr>
+                                    </p:animEffect>
+                                  </p:childTnLst>
+                                </p:cTn>
+                              </p:par>
+                            </p:childTnLst>
+                          </p:cTn>
+                        </p:par>
+                        <p:par>
+                          <p:cTn id="8" fill="hold">
+                            <p:stCondLst>
+                              <p:cond delay="500"/>
+                            </p:stCondLst>
+                            <p:childTnLst>
+                              <p:par>
+                                <p:cTn id="9" presetID="53" presetClass="entr" presetSubtype="16" fill="hold" nodeType="afterEffect">
+                                  <p:stCondLst>
+                                    <p:cond delay="0"/>
+                                  </p:stCondLst>
+                                  <p:childTnLst>
+                                    <p:set>
+                                      <p:cBhvr>
+                                        <p:cTn id="10" dur="1" fill="hold">
+                                          <p:stCondLst>
+                                            <p:cond delay="0"/>
+                                          </p:stCondLst>
+                                        </p:cTn>
+                                        <p:tgtEl>
+                                          <p:spTgt spid="26"/>
+                                        </p:tgtEl>
+                                        <p:attrNameLst>
+                                          <p:attrName>style.visibility</p:attrName>
+                                        </p:attrNameLst>
+                                      </p:cBhvr>
+                                      <p:to>
+                                        <p:strVal val="visible"/>
+                                      </p:to>
+                                    </p:set>
+                                    <p:anim calcmode="lin" valueType="num">
+                                      <p:cBhvr>
+                                        <p:cTn id="11" dur="500" fill="hold"/>
+                                        <p:tgtEl>
+                                          <p:spTgt spid="26"/>
+                                        </p:tgtEl>
+                                        <p:attrNameLst>
+                                          <p:attrName>ppt_w</p:attrName>
+                                        </p:attrNameLst>
+                                      </p:cBhvr>
+                                      <p:tavLst>
+                                        <p:tav tm="0">
+                                          <p:val>
+                                            <p:fltVal val="0"/>
+                                          </p:val>
+                                        </p:tav>
+                                        <p:tav tm="100000">
+                                          <p:val>
+                                            <p:strVal val="#ppt_w"/>
+                                          </p:val>
+                                        </p:tav>
+                                      </p:tavLst>
+                                    </p:anim>
+                                    <p:anim calcmode="lin" valueType="num">
+                                      <p:cBhvr>
+                                        <p:cTn id="12" dur="500" fill="hold"/>
+                                        <p:tgtEl>
+                                          <p:spTgt spid="26"/>
+                                        </p:tgtEl>
+                                        <p:attrNameLst>
+                                          <p:attrName>ppt_h</p:attrName>
+                                        </p:attrNameLst>
+                                      </p:cBhvr>
+                                      <p:tavLst>
+                                        <p:tav tm="0">
+                                          <p:val>
+                                            <p:fltVal val="0"/>
+                                          </p:val>
+                                        </p:tav>
+                                        <p:tav tm="100000">
+                                          <p:val>
+                                            <p:strVal val="#ppt_h"/>
+                                          </p:val>
+                                        </p:tav>
+                                      </p:tavLst>
+                                    </p:anim>
+                                    <p:animEffect transition="in" filter="fade">
+                                      <p:cBhvr>
+                                        <p:cTn id="13" dur="500"/>
+                                        <p:tgtEl>
+                                          <p:spTgt spid="26"/>
+                                        </p:tgtEl>
+                                      </p:cBhvr>
+                                    </p:animEffect>
+                                  </p:childTnLst>
+                                </p:cTn>
+                              </p:par>
+                            </p:childTnLst>
+                          </p:cTn>
+                        </p:par>
+                        <p:par>
+                          <p:cTn id="14" fill="hold">
+                            <p:stCondLst>
+                              <p:cond delay="1000"/>
+                            </p:stCondLst>
+                            <p:childTnLst>
+                              <p:par>
+                                <p:cTn id="15" presetID="10" presetClass="entr" presetSubtype="0" fill="hold" grpId="0" nodeType="afterEffect">
+                                  <p:stCondLst>
+                                    <p:cond delay="0"/>
+                                  </p:stCondLst>
+                                  <p:childTnLst>
+                                    <p:set>
+                                      <p:cBhvr>
+                                        <p:cTn id="16" dur="1" fill="hold">
+                                          <p:stCondLst>
+                                            <p:cond delay="0"/>
+                                          </p:stCondLst>
+                                        </p:cTn>
+                                        <p:tgtEl>
+                                          <p:spTgt spid="6"/>
+                                        </p:tgtEl>
+                                        <p:attrNameLst>
+                                          <p:attrName>style.visibility</p:attrName>
+                                        </p:attrNameLst>
+                                      </p:cBhvr>
+                                      <p:to>
+                                        <p:strVal val="visible"/>
+                                      </p:to>
+                                    </p:set>
+                                    <p:animEffect transition="in" filter="fade">
+                                      <p:cBhvr>
+                                        <p:cTn id="17" dur="500"/>
+                                        <p:tgtEl>
+                                          <p:spTgt spid="6"/>
+                                        </p:tgtEl>
+                                      </p:cBhvr>
+                                    </p:animEffect>
+                                  </p:childTnLst>
+                                </p:cTn>
+                              </p:par>
+                            </p:childTnLst>
+                          </p:cTn>
+                        </p:par>
+                        <p:par>
+                          <p:cTn id="18" fill="hold">
+                            <p:stCondLst>
+                              <p:cond delay="1500"/>
+                            </p:stCondLst>
+                            <p:childTnLst>
+                              <p:par>
+                                <p:cTn id="19" presetID="53" presetClass="entr" presetSubtype="16" fill="hold" nodeType="afterEffect">
+                                  <p:stCondLst>
+                                    <p:cond delay="0"/>
+                                  </p:stCondLst>
+                                  <p:childTnLst>
+                                    <p:set>
+                                      <p:cBhvr>
+                                        <p:cTn id="20" dur="1" fill="hold">
+                                          <p:stCondLst>
+                                            <p:cond delay="0"/>
+                                          </p:stCondLst>
+                                        </p:cTn>
+                                        <p:tgtEl>
+                                          <p:spTgt spid="2"/>
+                                        </p:tgtEl>
+                                        <p:attrNameLst>
+                                          <p:attrName>style.visibility</p:attrName>
+                                        </p:attrNameLst>
+                                      </p:cBhvr>
+                                      <p:to>
+                                        <p:strVal val="visible"/>
+                                      </p:to>
+                                    </p:set>
+                                    <p:anim calcmode="lin" valueType="num">
+                                      <p:cBhvr>
+                                        <p:cTn id="21" dur="500" fill="hold"/>
+                                        <p:tgtEl>
+                                          <p:spTgt spid="2"/>
+                                        </p:tgtEl>
+                                        <p:attrNameLst>
+                                          <p:attrName>ppt_w</p:attrName>
+                                        </p:attrNameLst>
+                                      </p:cBhvr>
+                                      <p:tavLst>
+                                        <p:tav tm="0">
+                                          <p:val>
+                                            <p:fltVal val="0"/>
+                                          </p:val>
+                                        </p:tav>
+                                        <p:tav tm="100000">
+                                          <p:val>
+                                            <p:strVal val="#ppt_w"/>
+                                          </p:val>
+                                        </p:tav>
+                                      </p:tavLst>
+                                    </p:anim>
+                                    <p:anim calcmode="lin" valueType="num">
+                                      <p:cBhvr>
+                                        <p:cTn id="22" dur="500" fill="hold"/>
+                                        <p:tgtEl>
+                                          <p:spTgt spid="2"/>
+                                        </p:tgtEl>
+                                        <p:attrNameLst>
+                                          <p:attrName>ppt_h</p:attrName>
+                                        </p:attrNameLst>
+                                      </p:cBhvr>
+                                      <p:tavLst>
+                                        <p:tav tm="0">
+                                          <p:val>
+                                            <p:fltVal val="0"/>
+                                          </p:val>
+                                        </p:tav>
+                                        <p:tav tm="100000">
+                                          <p:val>
+                                            <p:strVal val="#ppt_h"/>
+                                          </p:val>
+                                        </p:tav>
+                                      </p:tavLst>
+                                    </p:anim>
+                                    <p:animEffect transition="in" filter="fade">
+                                      <p:cBhvr>
+                                        <p:cTn id="23" dur="500"/>
+                                        <p:tgtEl>
+                                          <p:spTgt spid="2"/>
+                                        </p:tgtEl>
+                                      </p:cBhvr>
+                                    </p:animEffect>
+                                  </p:childTnLst>
+                                </p:cTn>
+                              </p:par>
+                            </p:childTnLst>
+                          </p:cTn>
+                        </p:par>
+                        <p:par>
+                          <p:cTn id="24" fill="hold">
+                            <p:stCondLst>
+                              <p:cond delay="2000"/>
+                            </p:stCondLst>
+                            <p:childTnLst>
+                              <p:par>
+                                <p:cTn id="25" presetID="10" presetClass="entr" presetSubtype="0" fill="hold" grpId="0" nodeType="afterEffect">
+                                  <p:stCondLst>
+                                    <p:cond delay="0"/>
+                                  </p:stCondLst>
+                                  <p:childTnLst>
+                                    <p:set>
+                                      <p:cBhvr>
+                                        <p:cTn id="26" dur="1" fill="hold">
+                                          <p:stCondLst>
+                                            <p:cond delay="0"/>
+                                          </p:stCondLst>
+                                        </p:cTn>
+                                        <p:tgtEl>
+                                          <p:spTgt spid="7"/>
+                                        </p:tgtEl>
+                                        <p:attrNameLst>
+                                          <p:attrName>style.visibility</p:attrName>
+                                        </p:attrNameLst>
+                                      </p:cBhvr>
+                                      <p:to>
+                                        <p:strVal val="visible"/>
+                                      </p:to>
+                                    </p:set>
+                                    <p:animEffect transition="in" filter="fade">
+                                      <p:cBhvr>
+                                        <p:cTn id="27" dur="500"/>
+                                        <p:tgtEl>
+                                          <p:spTgt spid="7"/>
+                                        </p:tgtEl>
+                                      </p:cBhvr>
+                                    </p:animEffect>
+                                  </p:childTnLst>
+                                </p:cTn>
+                              </p:par>
+                            </p:childTnLst>
+                          </p:cTn>
+                        </p:par>
+                        <p:par>
+                          <p:cTn id="28" fill="hold">
+                            <p:stCondLst>
+                              <p:cond delay="2500"/>
+                            </p:stCondLst>
+                            <p:childTnLst>
+                              <p:par>
+                                <p:cTn id="29" presetID="53" presetClass="entr" presetSubtype="16" fill="hold" nodeType="afterEffect">
+                                  <p:stCondLst>
+                                    <p:cond delay="0"/>
+                                  </p:stCondLst>
+                                  <p:childTnLst>
+                                    <p:set>
+                                      <p:cBhvr>
+                                        <p:cTn id="30" dur="1" fill="hold">
+                                          <p:stCondLst>
+                                            <p:cond delay="0"/>
+                                          </p:stCondLst>
+                                        </p:cTn>
+                                        <p:tgtEl>
+                                          <p:spTgt spid="24"/>
+                                        </p:tgtEl>
+                                        <p:attrNameLst>
+                                          <p:attrName>style.visibility</p:attrName>
+                                        </p:attrNameLst>
+                                      </p:cBhvr>
+                                      <p:to>
+                                        <p:strVal val="visible"/>
+                                      </p:to>
+                                    </p:set>
+                                    <p:anim calcmode="lin" valueType="num">
+                                      <p:cBhvr>
+                                        <p:cTn id="31" dur="500" fill="hold"/>
+                                        <p:tgtEl>
+                                          <p:spTgt spid="24"/>
+                                        </p:tgtEl>
+                                        <p:attrNameLst>
+                                          <p:attrName>ppt_w</p:attrName>
+                                        </p:attrNameLst>
+                                      </p:cBhvr>
+                                      <p:tavLst>
+                                        <p:tav tm="0">
+                                          <p:val>
+                                            <p:fltVal val="0"/>
+                                          </p:val>
+                                        </p:tav>
+                                        <p:tav tm="100000">
+                                          <p:val>
+                                            <p:strVal val="#ppt_w"/>
+                                          </p:val>
+                                        </p:tav>
+                                      </p:tavLst>
+                                    </p:anim>
+                                    <p:anim calcmode="lin" valueType="num">
+                                      <p:cBhvr>
+                                        <p:cTn id="32" dur="500" fill="hold"/>
+                                        <p:tgtEl>
+                                          <p:spTgt spid="24"/>
+                                        </p:tgtEl>
+                                        <p:attrNameLst>
+                                          <p:attrName>ppt_h</p:attrName>
+                                        </p:attrNameLst>
+                                      </p:cBhvr>
+                                      <p:tavLst>
+                                        <p:tav tm="0">
+                                          <p:val>
+                                            <p:fltVal val="0"/>
+                                          </p:val>
+                                        </p:tav>
+                                        <p:tav tm="100000">
+                                          <p:val>
+                                            <p:strVal val="#ppt_h"/>
+                                          </p:val>
+                                        </p:tav>
+                                      </p:tavLst>
+                                    </p:anim>
+                                    <p:animEffect transition="in" filter="fade">
+                                      <p:cBhvr>
+                                        <p:cTn id="33" dur="500"/>
+                                        <p:tgtEl>
+                                          <p:spTgt spid="24"/>
+                                        </p:tgtEl>
+                                      </p:cBhvr>
+                                    </p:animEffect>
+                                  </p:childTnLst>
+                                </p:cTn>
+                              </p:par>
+                            </p:childTnLst>
+                          </p:cTn>
+                        </p:par>
+                        <p:par>
+                          <p:cTn id="34" fill="hold">
+                            <p:stCondLst>
+                              <p:cond delay="3000"/>
+                            </p:stCondLst>
+                            <p:childTnLst>
+                              <p:par>
+                                <p:cTn id="35" presetID="10" presetClass="entr" presetSubtype="0" fill="hold" grpId="0" nodeType="afterEffect">
+                                  <p:stCondLst>
+                                    <p:cond delay="0"/>
+                                  </p:stCondLst>
+                                  <p:childTnLst>
+                                    <p:set>
+                                      <p:cBhvr>
+                                        <p:cTn id="36" dur="1" fill="hold">
+                                          <p:stCondLst>
+                                            <p:cond delay="0"/>
+                                          </p:stCondLst>
+                                        </p:cTn>
+                                        <p:tgtEl>
+                                          <p:spTgt spid="8"/>
+                                        </p:tgtEl>
+                                        <p:attrNameLst>
+                                          <p:attrName>style.visibility</p:attrName>
+                                        </p:attrNameLst>
+                                      </p:cBhvr>
+                                      <p:to>
+                                        <p:strVal val="visible"/>
+                                      </p:to>
+                                    </p:set>
+                                    <p:animEffect transition="in" filter="fade">
+                                      <p:cBhvr>
+                                        <p:cTn id="37" dur="500"/>
+                                        <p:tgtEl>
+                                          <p:spTgt spid="8"/>
+                                        </p:tgtEl>
+                                      </p:cBhvr>
+                                    </p:animEffect>
+                                  </p:childTnLst>
+                                </p:cTn>
+                              </p:par>
+                            </p:childTnLst>
+                          </p:cTn>
+                        </p:par>
+                        <p:par>
+                          <p:cTn id="38" fill="hold">
+                            <p:stCondLst>
+                              <p:cond delay="3500"/>
+                            </p:stCondLst>
+                            <p:childTnLst>
+                              <p:par>
+                                <p:cTn id="39" presetID="53" presetClass="entr" presetSubtype="16" fill="hold" nodeType="afterEffect">
+                                  <p:stCondLst>
+                                    <p:cond delay="0"/>
+                                  </p:stCondLst>
+                                  <p:childTnLst>
+                                    <p:set>
+                                      <p:cBhvr>
+                                        <p:cTn id="40" dur="1" fill="hold">
+                                          <p:stCondLst>
+                                            <p:cond delay="0"/>
+                                          </p:stCondLst>
+                                        </p:cTn>
+                                        <p:tgtEl>
+                                          <p:spTgt spid="25"/>
+                                        </p:tgtEl>
+                                        <p:attrNameLst>
+                                          <p:attrName>style.visibility</p:attrName>
+                                        </p:attrNameLst>
+                                      </p:cBhvr>
+                                      <p:to>
+                                        <p:strVal val="visible"/>
+                                      </p:to>
+                                    </p:set>
+                                    <p:anim calcmode="lin" valueType="num">
+                                      <p:cBhvr>
+                                        <p:cTn id="41" dur="500" fill="hold"/>
+                                        <p:tgtEl>
+                                          <p:spTgt spid="25"/>
+                                        </p:tgtEl>
+                                        <p:attrNameLst>
+                                          <p:attrName>ppt_w</p:attrName>
+                                        </p:attrNameLst>
+                                      </p:cBhvr>
+                                      <p:tavLst>
+                                        <p:tav tm="0">
+                                          <p:val>
+                                            <p:fltVal val="0"/>
+                                          </p:val>
+                                        </p:tav>
+                                        <p:tav tm="100000">
+                                          <p:val>
+                                            <p:strVal val="#ppt_w"/>
+                                          </p:val>
+                                        </p:tav>
+                                      </p:tavLst>
+                                    </p:anim>
+                                    <p:anim calcmode="lin" valueType="num">
+                                      <p:cBhvr>
+                                        <p:cTn id="42" dur="500" fill="hold"/>
+                                        <p:tgtEl>
+                                          <p:spTgt spid="25"/>
+                                        </p:tgtEl>
+                                        <p:attrNameLst>
+                                          <p:attrName>ppt_h</p:attrName>
+                                        </p:attrNameLst>
+                                      </p:cBhvr>
+                                      <p:tavLst>
+                                        <p:tav tm="0">
+                                          <p:val>
+                                            <p:fltVal val="0"/>
+                                          </p:val>
+                                        </p:tav>
+                                        <p:tav tm="100000">
+                                          <p:val>
+                                            <p:strVal val="#ppt_h"/>
+                                          </p:val>
+                                        </p:tav>
+                                      </p:tavLst>
+                                    </p:anim>
+                                    <p:animEffect transition="in" filter="fade">
+                                      <p:cBhvr>
+                                        <p:cTn id="43" dur="500"/>
+                                        <p:tgtEl>
+                                          <p:spTgt spid="25"/>
+                                        </p:tgtEl>
+                                      </p:cBhvr>
+                                    </p:animEffect>
+                                  </p:childTnLst>
+                                </p:cTn>
+                              </p:par>
+                            </p:childTnLst>
+                          </p:cTn>
+                        </p:par>
+                      </p:childTnLst>
+                    </p:cTn>
+                  </p:par>
+                </p:childTnLst>
+              </p:cTn>
+              <p:prevCondLst>
+                <p:cond evt="onPrev" delay="0">
+                  <p:tgtEl>
+                    <p:sldTgt/>
+                  </p:tgtEl>
+                </p:cond>
+              </p:prevCondLst>
+              <p:nextCondLst>
+                <p:cond evt="onNext" delay="0">
+                  <p:tgtEl>
+                    <p:sldTgt/>
+                  </p:tgtEl>
+                </p:cond>
+              </p:nextCondLst>
+            </p:seq>
+          </p:childTnLst>
+        </p:cTn>
+      </p:par>
+    </p:tnLst>
+    <p:bldLst>
+      <p:bldP spid="5" grpId="0" animBg="1"/>
+      <p:bldP spid="6" grpId="0" animBg="1"/>
+      <p:bldP spid="7" grpId="0" animBg="1"/>
+      <p:bldP spid="8" grpId="0" animBg="1"/>
+    </p:bldLst>
+  </p:timing>
 </p:sld>
 </file>
 
@@ -7863,6 +8873,406 @@
   <p:clrMapOvr>
     <a:masterClrMapping/>
   </p:clrMapOvr>
+  <p:timing>
+    <p:tnLst>
+      <p:par>
+        <p:cTn id="1" dur="indefinite" restart="never" nodeType="tmRoot">
+          <p:childTnLst>
+            <p:seq concurrent="1" nextAc="seek">
+              <p:cTn id="2" dur="indefinite" nodeType="mainSeq">
+                <p:childTnLst>
+                  <p:par>
+                    <p:cTn id="3" fill="hold">
+                      <p:stCondLst>
+                        <p:cond delay="indefinite"/>
+                        <p:cond evt="onBegin" delay="0">
+                          <p:tn val="2"/>
+                        </p:cond>
+                      </p:stCondLst>
+                      <p:childTnLst>
+                        <p:par>
+                          <p:cTn id="4" fill="hold">
+                            <p:stCondLst>
+                              <p:cond delay="0"/>
+                            </p:stCondLst>
+                            <p:childTnLst>
+                              <p:par>
+                                <p:cTn id="5" presetID="16" presetClass="entr" presetSubtype="21" fill="hold" grpId="0" nodeType="afterEffect">
+                                  <p:stCondLst>
+                                    <p:cond delay="0"/>
+                                  </p:stCondLst>
+                                  <p:childTnLst>
+                                    <p:set>
+                                      <p:cBhvr>
+                                        <p:cTn id="6" dur="1" fill="hold">
+                                          <p:stCondLst>
+                                            <p:cond delay="0"/>
+                                          </p:stCondLst>
+                                        </p:cTn>
+                                        <p:tgtEl>
+                                          <p:spTgt spid="6"/>
+                                        </p:tgtEl>
+                                        <p:attrNameLst>
+                                          <p:attrName>style.visibility</p:attrName>
+                                        </p:attrNameLst>
+                                      </p:cBhvr>
+                                      <p:to>
+                                        <p:strVal val="visible"/>
+                                      </p:to>
+                                    </p:set>
+                                    <p:animEffect transition="in" filter="barn(inVertical)">
+                                      <p:cBhvr>
+                                        <p:cTn id="7" dur="500"/>
+                                        <p:tgtEl>
+                                          <p:spTgt spid="6"/>
+                                        </p:tgtEl>
+                                      </p:cBhvr>
+                                    </p:animEffect>
+                                  </p:childTnLst>
+                                </p:cTn>
+                              </p:par>
+                            </p:childTnLst>
+                          </p:cTn>
+                        </p:par>
+                        <p:par>
+                          <p:cTn id="8" fill="hold">
+                            <p:stCondLst>
+                              <p:cond delay="500"/>
+                            </p:stCondLst>
+                            <p:childTnLst>
+                              <p:par>
+                                <p:cTn id="9" presetID="22" presetClass="entr" presetSubtype="4" fill="hold" nodeType="afterEffect">
+                                  <p:stCondLst>
+                                    <p:cond delay="0"/>
+                                  </p:stCondLst>
+                                  <p:childTnLst>
+                                    <p:set>
+                                      <p:cBhvr>
+                                        <p:cTn id="10" dur="1" fill="hold">
+                                          <p:stCondLst>
+                                            <p:cond delay="0"/>
+                                          </p:stCondLst>
+                                        </p:cTn>
+                                        <p:tgtEl>
+                                          <p:spTgt spid="9"/>
+                                        </p:tgtEl>
+                                        <p:attrNameLst>
+                                          <p:attrName>style.visibility</p:attrName>
+                                        </p:attrNameLst>
+                                      </p:cBhvr>
+                                      <p:to>
+                                        <p:strVal val="visible"/>
+                                      </p:to>
+                                    </p:set>
+                                    <p:animEffect transition="in" filter="wipe(down)">
+                                      <p:cBhvr>
+                                        <p:cTn id="11" dur="500"/>
+                                        <p:tgtEl>
+                                          <p:spTgt spid="9"/>
+                                        </p:tgtEl>
+                                      </p:cBhvr>
+                                    </p:animEffect>
+                                  </p:childTnLst>
+                                </p:cTn>
+                              </p:par>
+                            </p:childTnLst>
+                          </p:cTn>
+                        </p:par>
+                        <p:par>
+                          <p:cTn id="12" fill="hold">
+                            <p:stCondLst>
+                              <p:cond delay="1000"/>
+                            </p:stCondLst>
+                            <p:childTnLst>
+                              <p:par>
+                                <p:cTn id="13" presetID="16" presetClass="entr" presetSubtype="21" fill="hold" grpId="0" nodeType="afterEffect">
+                                  <p:stCondLst>
+                                    <p:cond delay="0"/>
+                                  </p:stCondLst>
+                                  <p:childTnLst>
+                                    <p:set>
+                                      <p:cBhvr>
+                                        <p:cTn id="14" dur="1" fill="hold">
+                                          <p:stCondLst>
+                                            <p:cond delay="0"/>
+                                          </p:stCondLst>
+                                        </p:cTn>
+                                        <p:tgtEl>
+                                          <p:spTgt spid="5"/>
+                                        </p:tgtEl>
+                                        <p:attrNameLst>
+                                          <p:attrName>style.visibility</p:attrName>
+                                        </p:attrNameLst>
+                                      </p:cBhvr>
+                                      <p:to>
+                                        <p:strVal val="visible"/>
+                                      </p:to>
+                                    </p:set>
+                                    <p:animEffect transition="in" filter="barn(inVertical)">
+                                      <p:cBhvr>
+                                        <p:cTn id="15" dur="500"/>
+                                        <p:tgtEl>
+                                          <p:spTgt spid="5"/>
+                                        </p:tgtEl>
+                                      </p:cBhvr>
+                                    </p:animEffect>
+                                  </p:childTnLst>
+                                </p:cTn>
+                              </p:par>
+                            </p:childTnLst>
+                          </p:cTn>
+                        </p:par>
+                        <p:par>
+                          <p:cTn id="16" fill="hold">
+                            <p:stCondLst>
+                              <p:cond delay="1500"/>
+                            </p:stCondLst>
+                            <p:childTnLst>
+                              <p:par>
+                                <p:cTn id="17" presetID="22" presetClass="entr" presetSubtype="4" fill="hold" nodeType="afterEffect">
+                                  <p:stCondLst>
+                                    <p:cond delay="0"/>
+                                  </p:stCondLst>
+                                  <p:childTnLst>
+                                    <p:set>
+                                      <p:cBhvr>
+                                        <p:cTn id="18" dur="1" fill="hold">
+                                          <p:stCondLst>
+                                            <p:cond delay="0"/>
+                                          </p:stCondLst>
+                                        </p:cTn>
+                                        <p:tgtEl>
+                                          <p:spTgt spid="10"/>
+                                        </p:tgtEl>
+                                        <p:attrNameLst>
+                                          <p:attrName>style.visibility</p:attrName>
+                                        </p:attrNameLst>
+                                      </p:cBhvr>
+                                      <p:to>
+                                        <p:strVal val="visible"/>
+                                      </p:to>
+                                    </p:set>
+                                    <p:animEffect transition="in" filter="wipe(down)">
+                                      <p:cBhvr>
+                                        <p:cTn id="19" dur="500"/>
+                                        <p:tgtEl>
+                                          <p:spTgt spid="10"/>
+                                        </p:tgtEl>
+                                      </p:cBhvr>
+                                    </p:animEffect>
+                                  </p:childTnLst>
+                                </p:cTn>
+                              </p:par>
+                            </p:childTnLst>
+                          </p:cTn>
+                        </p:par>
+                        <p:par>
+                          <p:cTn id="20" fill="hold">
+                            <p:stCondLst>
+                              <p:cond delay="2000"/>
+                            </p:stCondLst>
+                            <p:childTnLst>
+                              <p:par>
+                                <p:cTn id="21" presetID="16" presetClass="entr" presetSubtype="21" fill="hold" grpId="0" nodeType="afterEffect">
+                                  <p:stCondLst>
+                                    <p:cond delay="0"/>
+                                  </p:stCondLst>
+                                  <p:childTnLst>
+                                    <p:set>
+                                      <p:cBhvr>
+                                        <p:cTn id="22" dur="1" fill="hold">
+                                          <p:stCondLst>
+                                            <p:cond delay="0"/>
+                                          </p:stCondLst>
+                                        </p:cTn>
+                                        <p:tgtEl>
+                                          <p:spTgt spid="7"/>
+                                        </p:tgtEl>
+                                        <p:attrNameLst>
+                                          <p:attrName>style.visibility</p:attrName>
+                                        </p:attrNameLst>
+                                      </p:cBhvr>
+                                      <p:to>
+                                        <p:strVal val="visible"/>
+                                      </p:to>
+                                    </p:set>
+                                    <p:animEffect transition="in" filter="barn(inVertical)">
+                                      <p:cBhvr>
+                                        <p:cTn id="23" dur="500"/>
+                                        <p:tgtEl>
+                                          <p:spTgt spid="7"/>
+                                        </p:tgtEl>
+                                      </p:cBhvr>
+                                    </p:animEffect>
+                                  </p:childTnLst>
+                                </p:cTn>
+                              </p:par>
+                            </p:childTnLst>
+                          </p:cTn>
+                        </p:par>
+                        <p:par>
+                          <p:cTn id="24" fill="hold">
+                            <p:stCondLst>
+                              <p:cond delay="2500"/>
+                            </p:stCondLst>
+                            <p:childTnLst>
+                              <p:par>
+                                <p:cTn id="25" presetID="22" presetClass="entr" presetSubtype="4" fill="hold" nodeType="afterEffect">
+                                  <p:stCondLst>
+                                    <p:cond delay="0"/>
+                                  </p:stCondLst>
+                                  <p:childTnLst>
+                                    <p:set>
+                                      <p:cBhvr>
+                                        <p:cTn id="26" dur="1" fill="hold">
+                                          <p:stCondLst>
+                                            <p:cond delay="0"/>
+                                          </p:stCondLst>
+                                        </p:cTn>
+                                        <p:tgtEl>
+                                          <p:spTgt spid="11"/>
+                                        </p:tgtEl>
+                                        <p:attrNameLst>
+                                          <p:attrName>style.visibility</p:attrName>
+                                        </p:attrNameLst>
+                                      </p:cBhvr>
+                                      <p:to>
+                                        <p:strVal val="visible"/>
+                                      </p:to>
+                                    </p:set>
+                                    <p:animEffect transition="in" filter="wipe(down)">
+                                      <p:cBhvr>
+                                        <p:cTn id="27" dur="500"/>
+                                        <p:tgtEl>
+                                          <p:spTgt spid="11"/>
+                                        </p:tgtEl>
+                                      </p:cBhvr>
+                                    </p:animEffect>
+                                  </p:childTnLst>
+                                </p:cTn>
+                              </p:par>
+                            </p:childTnLst>
+                          </p:cTn>
+                        </p:par>
+                        <p:par>
+                          <p:cTn id="28" fill="hold">
+                            <p:stCondLst>
+                              <p:cond delay="3000"/>
+                            </p:stCondLst>
+                            <p:childTnLst>
+                              <p:par>
+                                <p:cTn id="29" presetID="16" presetClass="entr" presetSubtype="21" fill="hold" grpId="0" nodeType="afterEffect">
+                                  <p:stCondLst>
+                                    <p:cond delay="0"/>
+                                  </p:stCondLst>
+                                  <p:childTnLst>
+                                    <p:set>
+                                      <p:cBhvr>
+                                        <p:cTn id="30" dur="1" fill="hold">
+                                          <p:stCondLst>
+                                            <p:cond delay="0"/>
+                                          </p:stCondLst>
+                                        </p:cTn>
+                                        <p:tgtEl>
+                                          <p:spTgt spid="8"/>
+                                        </p:tgtEl>
+                                        <p:attrNameLst>
+                                          <p:attrName>style.visibility</p:attrName>
+                                        </p:attrNameLst>
+                                      </p:cBhvr>
+                                      <p:to>
+                                        <p:strVal val="visible"/>
+                                      </p:to>
+                                    </p:set>
+                                    <p:animEffect transition="in" filter="barn(inVertical)">
+                                      <p:cBhvr>
+                                        <p:cTn id="31" dur="500"/>
+                                        <p:tgtEl>
+                                          <p:spTgt spid="8"/>
+                                        </p:tgtEl>
+                                      </p:cBhvr>
+                                    </p:animEffect>
+                                  </p:childTnLst>
+                                </p:cTn>
+                              </p:par>
+                            </p:childTnLst>
+                          </p:cTn>
+                        </p:par>
+                        <p:par>
+                          <p:cTn id="32" fill="hold">
+                            <p:stCondLst>
+                              <p:cond delay="3500"/>
+                            </p:stCondLst>
+                            <p:childTnLst>
+                              <p:par>
+                                <p:cTn id="33" presetID="22" presetClass="entr" presetSubtype="4" fill="hold" nodeType="afterEffect">
+                                  <p:stCondLst>
+                                    <p:cond delay="0"/>
+                                  </p:stCondLst>
+                                  <p:childTnLst>
+                                    <p:set>
+                                      <p:cBhvr>
+                                        <p:cTn id="34" dur="1" fill="hold">
+                                          <p:stCondLst>
+                                            <p:cond delay="0"/>
+                                          </p:stCondLst>
+                                        </p:cTn>
+                                        <p:tgtEl>
+                                          <p:spTgt spid="12"/>
+                                        </p:tgtEl>
+                                        <p:attrNameLst>
+                                          <p:attrName>style.visibility</p:attrName>
+                                        </p:attrNameLst>
+                                      </p:cBhvr>
+                                      <p:to>
+                                        <p:strVal val="visible"/>
+                                      </p:to>
+                                    </p:set>
+                                    <p:animEffect transition="in" filter="wipe(down)">
+                                      <p:cBhvr>
+                                        <p:cTn id="35" dur="500"/>
+                                        <p:tgtEl>
+                                          <p:spTgt spid="12"/>
+                                        </p:tgtEl>
+                                      </p:cBhvr>
+                                    </p:animEffect>
+                                  </p:childTnLst>
+                                </p:cTn>
+                              </p:par>
+                            </p:childTnLst>
+                          </p:cTn>
+                        </p:par>
+                      </p:childTnLst>
+                    </p:cTn>
+                  </p:par>
+                </p:childTnLst>
+              </p:cTn>
+              <p:prevCondLst>
+                <p:cond evt="onPrev" delay="0">
+                  <p:tgtEl>
+                    <p:sldTgt/>
+                  </p:tgtEl>
+                </p:cond>
+              </p:prevCondLst>
+              <p:nextCondLst>
+                <p:cond evt="onNext" delay="0">
+                  <p:tgtEl>
+                    <p:sldTgt/>
+                  </p:tgtEl>
+                </p:cond>
+              </p:nextCondLst>
+            </p:seq>
+          </p:childTnLst>
+        </p:cTn>
+      </p:par>
+    </p:tnLst>
+    <p:bldLst>
+      <p:bldP spid="5" grpId="0" animBg="1"/>
+      <p:bldP spid="6" grpId="0" animBg="1"/>
+      <p:bldP spid="7" grpId="0" animBg="1"/>
+      <p:bldP spid="8" grpId="0" animBg="1"/>
+    </p:bldLst>
+  </p:timing>
 </p:sld>
 </file>
 
@@ -8370,6 +9780,18 @@
   <p:clrMapOvr>
     <a:masterClrMapping/>
   </p:clrMapOvr>
+  <mc:AlternateContent xmlns:mc="http://schemas.openxmlformats.org/markup-compatibility/2006" xmlns:p15="http://schemas.microsoft.com/office/powerpoint/2012/main">
+    <mc:Choice Requires="p15">
+      <p:transition xmlns:p14="http://schemas.microsoft.com/office/powerpoint/2010/main" spd="slow" p14:dur="1250">
+        <p15:prstTrans prst="peelOff"/>
+      </p:transition>
+    </mc:Choice>
+    <mc:Fallback xmlns="">
+      <p:transition spd="slow">
+        <p:fade/>
+      </p:transition>
+    </mc:Fallback>
+  </mc:AlternateContent>
 </p:sld>
 </file>
 
@@ -8679,6 +10101,748 @@
   <p:clrMapOvr>
     <a:masterClrMapping/>
   </p:clrMapOvr>
+  <mc:AlternateContent xmlns:mc="http://schemas.openxmlformats.org/markup-compatibility/2006" xmlns:p14="http://schemas.microsoft.com/office/powerpoint/2010/main">
+    <mc:Choice Requires="p14">
+      <p:transition spd="slow" p14:dur="1400">
+        <p14:doors dir="vert"/>
+      </p:transition>
+    </mc:Choice>
+    <mc:Fallback xmlns="">
+      <p:transition spd="slow">
+        <p:fade/>
+      </p:transition>
+    </mc:Fallback>
+  </mc:AlternateContent>
+  <p:timing>
+    <p:tnLst>
+      <p:par>
+        <p:cTn id="1" dur="indefinite" restart="never" nodeType="tmRoot">
+          <p:childTnLst>
+            <p:seq concurrent="1" nextAc="seek">
+              <p:cTn id="2" dur="indefinite" nodeType="mainSeq">
+                <p:childTnLst>
+                  <p:par>
+                    <p:cTn id="3" fill="hold">
+                      <p:stCondLst>
+                        <p:cond delay="indefinite"/>
+                        <p:cond evt="onBegin" delay="0">
+                          <p:tn val="2"/>
+                        </p:cond>
+                      </p:stCondLst>
+                      <p:childTnLst>
+                        <p:par>
+                          <p:cTn id="4" fill="hold">
+                            <p:stCondLst>
+                              <p:cond delay="0"/>
+                            </p:stCondLst>
+                            <p:childTnLst>
+                              <p:par>
+                                <p:cTn id="5" presetID="26" presetClass="entr" presetSubtype="0" fill="hold" grpId="3" nodeType="afterEffect">
+                                  <p:stCondLst>
+                                    <p:cond delay="0"/>
+                                  </p:stCondLst>
+                                  <p:childTnLst>
+                                    <p:set>
+                                      <p:cBhvr>
+                                        <p:cTn id="6" dur="1" fill="hold">
+                                          <p:stCondLst>
+                                            <p:cond delay="0"/>
+                                          </p:stCondLst>
+                                        </p:cTn>
+                                        <p:tgtEl>
+                                          <p:spTgt spid="25">
+                                            <p:txEl>
+                                              <p:pRg st="0" end="0"/>
+                                            </p:txEl>
+                                          </p:spTgt>
+                                        </p:tgtEl>
+                                        <p:attrNameLst>
+                                          <p:attrName>style.visibility</p:attrName>
+                                        </p:attrNameLst>
+                                      </p:cBhvr>
+                                      <p:to>
+                                        <p:strVal val="visible"/>
+                                      </p:to>
+                                    </p:set>
+                                    <p:animEffect transition="in" filter="wipe(down)">
+                                      <p:cBhvr>
+                                        <p:cTn id="7" dur="580">
+                                          <p:stCondLst>
+                                            <p:cond delay="0"/>
+                                          </p:stCondLst>
+                                        </p:cTn>
+                                        <p:tgtEl>
+                                          <p:spTgt spid="25">
+                                            <p:txEl>
+                                              <p:pRg st="0" end="0"/>
+                                            </p:txEl>
+                                          </p:spTgt>
+                                        </p:tgtEl>
+                                      </p:cBhvr>
+                                    </p:animEffect>
+                                    <p:anim calcmode="lin" valueType="num">
+                                      <p:cBhvr>
+                                        <p:cTn id="8" dur="1822" tmFilter="0,0; 0.14,0.36; 0.43,0.73; 0.71,0.91; 1.0,1.0">
+                                          <p:stCondLst>
+                                            <p:cond delay="0"/>
+                                          </p:stCondLst>
+                                        </p:cTn>
+                                        <p:tgtEl>
+                                          <p:spTgt spid="25">
+                                            <p:txEl>
+                                              <p:pRg st="0" end="0"/>
+                                            </p:txEl>
+                                          </p:spTgt>
+                                        </p:tgtEl>
+                                        <p:attrNameLst>
+                                          <p:attrName>ppt_x</p:attrName>
+                                        </p:attrNameLst>
+                                      </p:cBhvr>
+                                      <p:tavLst>
+                                        <p:tav tm="0">
+                                          <p:val>
+                                            <p:strVal val="#ppt_x-0.25"/>
+                                          </p:val>
+                                        </p:tav>
+                                        <p:tav tm="100000">
+                                          <p:val>
+                                            <p:strVal val="#ppt_x"/>
+                                          </p:val>
+                                        </p:tav>
+                                      </p:tavLst>
+                                    </p:anim>
+                                    <p:anim calcmode="lin" valueType="num">
+                                      <p:cBhvr>
+                                        <p:cTn id="9" dur="664" tmFilter="0.0,0.0; 0.25,0.07; 0.50,0.2; 0.75,0.467; 1.0,1.0">
+                                          <p:stCondLst>
+                                            <p:cond delay="0"/>
+                                          </p:stCondLst>
+                                        </p:cTn>
+                                        <p:tgtEl>
+                                          <p:spTgt spid="25">
+                                            <p:txEl>
+                                              <p:pRg st="0" end="0"/>
+                                            </p:txEl>
+                                          </p:spTgt>
+                                        </p:tgtEl>
+                                        <p:attrNameLst>
+                                          <p:attrName>ppt_y</p:attrName>
+                                        </p:attrNameLst>
+                                      </p:cBhvr>
+                                      <p:tavLst>
+                                        <p:tav tm="0" fmla="#ppt_y-sin(pi*$)/3">
+                                          <p:val>
+                                            <p:fltVal val="0.5"/>
+                                          </p:val>
+                                        </p:tav>
+                                        <p:tav tm="100000">
+                                          <p:val>
+                                            <p:fltVal val="1"/>
+                                          </p:val>
+                                        </p:tav>
+                                      </p:tavLst>
+                                    </p:anim>
+                                    <p:anim calcmode="lin" valueType="num">
+                                      <p:cBhvr>
+                                        <p:cTn id="10" dur="664" tmFilter="0, 0; 0.125,0.2665; 0.25,0.4; 0.375,0.465; 0.5,0.5;  0.625,0.535; 0.75,0.6; 0.875,0.7335; 1,1">
+                                          <p:stCondLst>
+                                            <p:cond delay="664"/>
+                                          </p:stCondLst>
+                                        </p:cTn>
+                                        <p:tgtEl>
+                                          <p:spTgt spid="25">
+                                            <p:txEl>
+                                              <p:pRg st="0" end="0"/>
+                                            </p:txEl>
+                                          </p:spTgt>
+                                        </p:tgtEl>
+                                        <p:attrNameLst>
+                                          <p:attrName>ppt_y</p:attrName>
+                                        </p:attrNameLst>
+                                      </p:cBhvr>
+                                      <p:tavLst>
+                                        <p:tav tm="0" fmla="#ppt_y-sin(pi*$)/9">
+                                          <p:val>
+                                            <p:fltVal val="0"/>
+                                          </p:val>
+                                        </p:tav>
+                                        <p:tav tm="100000">
+                                          <p:val>
+                                            <p:fltVal val="1"/>
+                                          </p:val>
+                                        </p:tav>
+                                      </p:tavLst>
+                                    </p:anim>
+                                    <p:anim calcmode="lin" valueType="num">
+                                      <p:cBhvr>
+                                        <p:cTn id="11" dur="332" tmFilter="0, 0; 0.125,0.2665; 0.25,0.4; 0.375,0.465; 0.5,0.5;  0.625,0.535; 0.75,0.6; 0.875,0.7335; 1,1">
+                                          <p:stCondLst>
+                                            <p:cond delay="1324"/>
+                                          </p:stCondLst>
+                                        </p:cTn>
+                                        <p:tgtEl>
+                                          <p:spTgt spid="25">
+                                            <p:txEl>
+                                              <p:pRg st="0" end="0"/>
+                                            </p:txEl>
+                                          </p:spTgt>
+                                        </p:tgtEl>
+                                        <p:attrNameLst>
+                                          <p:attrName>ppt_y</p:attrName>
+                                        </p:attrNameLst>
+                                      </p:cBhvr>
+                                      <p:tavLst>
+                                        <p:tav tm="0" fmla="#ppt_y-sin(pi*$)/27">
+                                          <p:val>
+                                            <p:fltVal val="0"/>
+                                          </p:val>
+                                        </p:tav>
+                                        <p:tav tm="100000">
+                                          <p:val>
+                                            <p:fltVal val="1"/>
+                                          </p:val>
+                                        </p:tav>
+                                      </p:tavLst>
+                                    </p:anim>
+                                    <p:anim calcmode="lin" valueType="num">
+                                      <p:cBhvr>
+                                        <p:cTn id="12" dur="164" tmFilter="0, 0; 0.125,0.2665; 0.25,0.4; 0.375,0.465; 0.5,0.5;  0.625,0.535; 0.75,0.6; 0.875,0.7335; 1,1">
+                                          <p:stCondLst>
+                                            <p:cond delay="1656"/>
+                                          </p:stCondLst>
+                                        </p:cTn>
+                                        <p:tgtEl>
+                                          <p:spTgt spid="25">
+                                            <p:txEl>
+                                              <p:pRg st="0" end="0"/>
+                                            </p:txEl>
+                                          </p:spTgt>
+                                        </p:tgtEl>
+                                        <p:attrNameLst>
+                                          <p:attrName>ppt_y</p:attrName>
+                                        </p:attrNameLst>
+                                      </p:cBhvr>
+                                      <p:tavLst>
+                                        <p:tav tm="0" fmla="#ppt_y-sin(pi*$)/81">
+                                          <p:val>
+                                            <p:fltVal val="0"/>
+                                          </p:val>
+                                        </p:tav>
+                                        <p:tav tm="100000">
+                                          <p:val>
+                                            <p:fltVal val="1"/>
+                                          </p:val>
+                                        </p:tav>
+                                      </p:tavLst>
+                                    </p:anim>
+                                    <p:animScale>
+                                      <p:cBhvr>
+                                        <p:cTn id="13" dur="26">
+                                          <p:stCondLst>
+                                            <p:cond delay="650"/>
+                                          </p:stCondLst>
+                                        </p:cTn>
+                                        <p:tgtEl>
+                                          <p:spTgt spid="25">
+                                            <p:txEl>
+                                              <p:pRg st="0" end="0"/>
+                                            </p:txEl>
+                                          </p:spTgt>
+                                        </p:tgtEl>
+                                      </p:cBhvr>
+                                      <p:to x="100000" y="60000"/>
+                                    </p:animScale>
+                                    <p:animScale>
+                                      <p:cBhvr>
+                                        <p:cTn id="14" dur="166" decel="50000">
+                                          <p:stCondLst>
+                                            <p:cond delay="676"/>
+                                          </p:stCondLst>
+                                        </p:cTn>
+                                        <p:tgtEl>
+                                          <p:spTgt spid="25">
+                                            <p:txEl>
+                                              <p:pRg st="0" end="0"/>
+                                            </p:txEl>
+                                          </p:spTgt>
+                                        </p:tgtEl>
+                                      </p:cBhvr>
+                                      <p:to x="100000" y="100000"/>
+                                    </p:animScale>
+                                    <p:animScale>
+                                      <p:cBhvr>
+                                        <p:cTn id="15" dur="26">
+                                          <p:stCondLst>
+                                            <p:cond delay="1312"/>
+                                          </p:stCondLst>
+                                        </p:cTn>
+                                        <p:tgtEl>
+                                          <p:spTgt spid="25">
+                                            <p:txEl>
+                                              <p:pRg st="0" end="0"/>
+                                            </p:txEl>
+                                          </p:spTgt>
+                                        </p:tgtEl>
+                                      </p:cBhvr>
+                                      <p:to x="100000" y="80000"/>
+                                    </p:animScale>
+                                    <p:animScale>
+                                      <p:cBhvr>
+                                        <p:cTn id="16" dur="166" decel="50000">
+                                          <p:stCondLst>
+                                            <p:cond delay="1338"/>
+                                          </p:stCondLst>
+                                        </p:cTn>
+                                        <p:tgtEl>
+                                          <p:spTgt spid="25">
+                                            <p:txEl>
+                                              <p:pRg st="0" end="0"/>
+                                            </p:txEl>
+                                          </p:spTgt>
+                                        </p:tgtEl>
+                                      </p:cBhvr>
+                                      <p:to x="100000" y="100000"/>
+                                    </p:animScale>
+                                    <p:animScale>
+                                      <p:cBhvr>
+                                        <p:cTn id="17" dur="26">
+                                          <p:stCondLst>
+                                            <p:cond delay="1642"/>
+                                          </p:stCondLst>
+                                        </p:cTn>
+                                        <p:tgtEl>
+                                          <p:spTgt spid="25">
+                                            <p:txEl>
+                                              <p:pRg st="0" end="0"/>
+                                            </p:txEl>
+                                          </p:spTgt>
+                                        </p:tgtEl>
+                                      </p:cBhvr>
+                                      <p:to x="100000" y="90000"/>
+                                    </p:animScale>
+                                    <p:animScale>
+                                      <p:cBhvr>
+                                        <p:cTn id="18" dur="166" decel="50000">
+                                          <p:stCondLst>
+                                            <p:cond delay="1668"/>
+                                          </p:stCondLst>
+                                        </p:cTn>
+                                        <p:tgtEl>
+                                          <p:spTgt spid="25">
+                                            <p:txEl>
+                                              <p:pRg st="0" end="0"/>
+                                            </p:txEl>
+                                          </p:spTgt>
+                                        </p:tgtEl>
+                                      </p:cBhvr>
+                                      <p:to x="100000" y="100000"/>
+                                    </p:animScale>
+                                    <p:animScale>
+                                      <p:cBhvr>
+                                        <p:cTn id="19" dur="26">
+                                          <p:stCondLst>
+                                            <p:cond delay="1808"/>
+                                          </p:stCondLst>
+                                        </p:cTn>
+                                        <p:tgtEl>
+                                          <p:spTgt spid="25">
+                                            <p:txEl>
+                                              <p:pRg st="0" end="0"/>
+                                            </p:txEl>
+                                          </p:spTgt>
+                                        </p:tgtEl>
+                                      </p:cBhvr>
+                                      <p:to x="100000" y="95000"/>
+                                    </p:animScale>
+                                    <p:animScale>
+                                      <p:cBhvr>
+                                        <p:cTn id="20" dur="166" decel="50000">
+                                          <p:stCondLst>
+                                            <p:cond delay="1834"/>
+                                          </p:stCondLst>
+                                        </p:cTn>
+                                        <p:tgtEl>
+                                          <p:spTgt spid="25">
+                                            <p:txEl>
+                                              <p:pRg st="0" end="0"/>
+                                            </p:txEl>
+                                          </p:spTgt>
+                                        </p:tgtEl>
+                                      </p:cBhvr>
+                                      <p:to x="100000" y="100000"/>
+                                    </p:animScale>
+                                  </p:childTnLst>
+                                </p:cTn>
+                              </p:par>
+                              <p:par>
+                                <p:cTn id="21" presetID="26" presetClass="entr" presetSubtype="0" fill="hold" grpId="3" nodeType="withEffect">
+                                  <p:stCondLst>
+                                    <p:cond delay="0"/>
+                                  </p:stCondLst>
+                                  <p:childTnLst>
+                                    <p:set>
+                                      <p:cBhvr>
+                                        <p:cTn id="22" dur="1" fill="hold">
+                                          <p:stCondLst>
+                                            <p:cond delay="0"/>
+                                          </p:stCondLst>
+                                        </p:cTn>
+                                        <p:tgtEl>
+                                          <p:spTgt spid="25">
+                                            <p:txEl>
+                                              <p:pRg st="1" end="1"/>
+                                            </p:txEl>
+                                          </p:spTgt>
+                                        </p:tgtEl>
+                                        <p:attrNameLst>
+                                          <p:attrName>style.visibility</p:attrName>
+                                        </p:attrNameLst>
+                                      </p:cBhvr>
+                                      <p:to>
+                                        <p:strVal val="visible"/>
+                                      </p:to>
+                                    </p:set>
+                                    <p:animEffect transition="in" filter="wipe(down)">
+                                      <p:cBhvr>
+                                        <p:cTn id="23" dur="580">
+                                          <p:stCondLst>
+                                            <p:cond delay="0"/>
+                                          </p:stCondLst>
+                                        </p:cTn>
+                                        <p:tgtEl>
+                                          <p:spTgt spid="25">
+                                            <p:txEl>
+                                              <p:pRg st="1" end="1"/>
+                                            </p:txEl>
+                                          </p:spTgt>
+                                        </p:tgtEl>
+                                      </p:cBhvr>
+                                    </p:animEffect>
+                                    <p:anim calcmode="lin" valueType="num">
+                                      <p:cBhvr>
+                                        <p:cTn id="24" dur="1822" tmFilter="0,0; 0.14,0.36; 0.43,0.73; 0.71,0.91; 1.0,1.0">
+                                          <p:stCondLst>
+                                            <p:cond delay="0"/>
+                                          </p:stCondLst>
+                                        </p:cTn>
+                                        <p:tgtEl>
+                                          <p:spTgt spid="25">
+                                            <p:txEl>
+                                              <p:pRg st="1" end="1"/>
+                                            </p:txEl>
+                                          </p:spTgt>
+                                        </p:tgtEl>
+                                        <p:attrNameLst>
+                                          <p:attrName>ppt_x</p:attrName>
+                                        </p:attrNameLst>
+                                      </p:cBhvr>
+                                      <p:tavLst>
+                                        <p:tav tm="0">
+                                          <p:val>
+                                            <p:strVal val="#ppt_x-0.25"/>
+                                          </p:val>
+                                        </p:tav>
+                                        <p:tav tm="100000">
+                                          <p:val>
+                                            <p:strVal val="#ppt_x"/>
+                                          </p:val>
+                                        </p:tav>
+                                      </p:tavLst>
+                                    </p:anim>
+                                    <p:anim calcmode="lin" valueType="num">
+                                      <p:cBhvr>
+                                        <p:cTn id="25" dur="664" tmFilter="0.0,0.0; 0.25,0.07; 0.50,0.2; 0.75,0.467; 1.0,1.0">
+                                          <p:stCondLst>
+                                            <p:cond delay="0"/>
+                                          </p:stCondLst>
+                                        </p:cTn>
+                                        <p:tgtEl>
+                                          <p:spTgt spid="25">
+                                            <p:txEl>
+                                              <p:pRg st="1" end="1"/>
+                                            </p:txEl>
+                                          </p:spTgt>
+                                        </p:tgtEl>
+                                        <p:attrNameLst>
+                                          <p:attrName>ppt_y</p:attrName>
+                                        </p:attrNameLst>
+                                      </p:cBhvr>
+                                      <p:tavLst>
+                                        <p:tav tm="0" fmla="#ppt_y-sin(pi*$)/3">
+                                          <p:val>
+                                            <p:fltVal val="0.5"/>
+                                          </p:val>
+                                        </p:tav>
+                                        <p:tav tm="100000">
+                                          <p:val>
+                                            <p:fltVal val="1"/>
+                                          </p:val>
+                                        </p:tav>
+                                      </p:tavLst>
+                                    </p:anim>
+                                    <p:anim calcmode="lin" valueType="num">
+                                      <p:cBhvr>
+                                        <p:cTn id="26" dur="664" tmFilter="0, 0; 0.125,0.2665; 0.25,0.4; 0.375,0.465; 0.5,0.5;  0.625,0.535; 0.75,0.6; 0.875,0.7335; 1,1">
+                                          <p:stCondLst>
+                                            <p:cond delay="664"/>
+                                          </p:stCondLst>
+                                        </p:cTn>
+                                        <p:tgtEl>
+                                          <p:spTgt spid="25">
+                                            <p:txEl>
+                                              <p:pRg st="1" end="1"/>
+                                            </p:txEl>
+                                          </p:spTgt>
+                                        </p:tgtEl>
+                                        <p:attrNameLst>
+                                          <p:attrName>ppt_y</p:attrName>
+                                        </p:attrNameLst>
+                                      </p:cBhvr>
+                                      <p:tavLst>
+                                        <p:tav tm="0" fmla="#ppt_y-sin(pi*$)/9">
+                                          <p:val>
+                                            <p:fltVal val="0"/>
+                                          </p:val>
+                                        </p:tav>
+                                        <p:tav tm="100000">
+                                          <p:val>
+                                            <p:fltVal val="1"/>
+                                          </p:val>
+                                        </p:tav>
+                                      </p:tavLst>
+                                    </p:anim>
+                                    <p:anim calcmode="lin" valueType="num">
+                                      <p:cBhvr>
+                                        <p:cTn id="27" dur="332" tmFilter="0, 0; 0.125,0.2665; 0.25,0.4; 0.375,0.465; 0.5,0.5;  0.625,0.535; 0.75,0.6; 0.875,0.7335; 1,1">
+                                          <p:stCondLst>
+                                            <p:cond delay="1324"/>
+                                          </p:stCondLst>
+                                        </p:cTn>
+                                        <p:tgtEl>
+                                          <p:spTgt spid="25">
+                                            <p:txEl>
+                                              <p:pRg st="1" end="1"/>
+                                            </p:txEl>
+                                          </p:spTgt>
+                                        </p:tgtEl>
+                                        <p:attrNameLst>
+                                          <p:attrName>ppt_y</p:attrName>
+                                        </p:attrNameLst>
+                                      </p:cBhvr>
+                                      <p:tavLst>
+                                        <p:tav tm="0" fmla="#ppt_y-sin(pi*$)/27">
+                                          <p:val>
+                                            <p:fltVal val="0"/>
+                                          </p:val>
+                                        </p:tav>
+                                        <p:tav tm="100000">
+                                          <p:val>
+                                            <p:fltVal val="1"/>
+                                          </p:val>
+                                        </p:tav>
+                                      </p:tavLst>
+                                    </p:anim>
+                                    <p:anim calcmode="lin" valueType="num">
+                                      <p:cBhvr>
+                                        <p:cTn id="28" dur="164" tmFilter="0, 0; 0.125,0.2665; 0.25,0.4; 0.375,0.465; 0.5,0.5;  0.625,0.535; 0.75,0.6; 0.875,0.7335; 1,1">
+                                          <p:stCondLst>
+                                            <p:cond delay="1656"/>
+                                          </p:stCondLst>
+                                        </p:cTn>
+                                        <p:tgtEl>
+                                          <p:spTgt spid="25">
+                                            <p:txEl>
+                                              <p:pRg st="1" end="1"/>
+                                            </p:txEl>
+                                          </p:spTgt>
+                                        </p:tgtEl>
+                                        <p:attrNameLst>
+                                          <p:attrName>ppt_y</p:attrName>
+                                        </p:attrNameLst>
+                                      </p:cBhvr>
+                                      <p:tavLst>
+                                        <p:tav tm="0" fmla="#ppt_y-sin(pi*$)/81">
+                                          <p:val>
+                                            <p:fltVal val="0"/>
+                                          </p:val>
+                                        </p:tav>
+                                        <p:tav tm="100000">
+                                          <p:val>
+                                            <p:fltVal val="1"/>
+                                          </p:val>
+                                        </p:tav>
+                                      </p:tavLst>
+                                    </p:anim>
+                                    <p:animScale>
+                                      <p:cBhvr>
+                                        <p:cTn id="29" dur="26">
+                                          <p:stCondLst>
+                                            <p:cond delay="650"/>
+                                          </p:stCondLst>
+                                        </p:cTn>
+                                        <p:tgtEl>
+                                          <p:spTgt spid="25">
+                                            <p:txEl>
+                                              <p:pRg st="1" end="1"/>
+                                            </p:txEl>
+                                          </p:spTgt>
+                                        </p:tgtEl>
+                                      </p:cBhvr>
+                                      <p:to x="100000" y="60000"/>
+                                    </p:animScale>
+                                    <p:animScale>
+                                      <p:cBhvr>
+                                        <p:cTn id="30" dur="166" decel="50000">
+                                          <p:stCondLst>
+                                            <p:cond delay="676"/>
+                                          </p:stCondLst>
+                                        </p:cTn>
+                                        <p:tgtEl>
+                                          <p:spTgt spid="25">
+                                            <p:txEl>
+                                              <p:pRg st="1" end="1"/>
+                                            </p:txEl>
+                                          </p:spTgt>
+                                        </p:tgtEl>
+                                      </p:cBhvr>
+                                      <p:to x="100000" y="100000"/>
+                                    </p:animScale>
+                                    <p:animScale>
+                                      <p:cBhvr>
+                                        <p:cTn id="31" dur="26">
+                                          <p:stCondLst>
+                                            <p:cond delay="1312"/>
+                                          </p:stCondLst>
+                                        </p:cTn>
+                                        <p:tgtEl>
+                                          <p:spTgt spid="25">
+                                            <p:txEl>
+                                              <p:pRg st="1" end="1"/>
+                                            </p:txEl>
+                                          </p:spTgt>
+                                        </p:tgtEl>
+                                      </p:cBhvr>
+                                      <p:to x="100000" y="80000"/>
+                                    </p:animScale>
+                                    <p:animScale>
+                                      <p:cBhvr>
+                                        <p:cTn id="32" dur="166" decel="50000">
+                                          <p:stCondLst>
+                                            <p:cond delay="1338"/>
+                                          </p:stCondLst>
+                                        </p:cTn>
+                                        <p:tgtEl>
+                                          <p:spTgt spid="25">
+                                            <p:txEl>
+                                              <p:pRg st="1" end="1"/>
+                                            </p:txEl>
+                                          </p:spTgt>
+                                        </p:tgtEl>
+                                      </p:cBhvr>
+                                      <p:to x="100000" y="100000"/>
+                                    </p:animScale>
+                                    <p:animScale>
+                                      <p:cBhvr>
+                                        <p:cTn id="33" dur="26">
+                                          <p:stCondLst>
+                                            <p:cond delay="1642"/>
+                                          </p:stCondLst>
+                                        </p:cTn>
+                                        <p:tgtEl>
+                                          <p:spTgt spid="25">
+                                            <p:txEl>
+                                              <p:pRg st="1" end="1"/>
+                                            </p:txEl>
+                                          </p:spTgt>
+                                        </p:tgtEl>
+                                      </p:cBhvr>
+                                      <p:to x="100000" y="90000"/>
+                                    </p:animScale>
+                                    <p:animScale>
+                                      <p:cBhvr>
+                                        <p:cTn id="34" dur="166" decel="50000">
+                                          <p:stCondLst>
+                                            <p:cond delay="1668"/>
+                                          </p:stCondLst>
+                                        </p:cTn>
+                                        <p:tgtEl>
+                                          <p:spTgt spid="25">
+                                            <p:txEl>
+                                              <p:pRg st="1" end="1"/>
+                                            </p:txEl>
+                                          </p:spTgt>
+                                        </p:tgtEl>
+                                      </p:cBhvr>
+                                      <p:to x="100000" y="100000"/>
+                                    </p:animScale>
+                                    <p:animScale>
+                                      <p:cBhvr>
+                                        <p:cTn id="35" dur="26">
+                                          <p:stCondLst>
+                                            <p:cond delay="1808"/>
+                                          </p:stCondLst>
+                                        </p:cTn>
+                                        <p:tgtEl>
+                                          <p:spTgt spid="25">
+                                            <p:txEl>
+                                              <p:pRg st="1" end="1"/>
+                                            </p:txEl>
+                                          </p:spTgt>
+                                        </p:tgtEl>
+                                      </p:cBhvr>
+                                      <p:to x="100000" y="95000"/>
+                                    </p:animScale>
+                                    <p:animScale>
+                                      <p:cBhvr>
+                                        <p:cTn id="36" dur="166" decel="50000">
+                                          <p:stCondLst>
+                                            <p:cond delay="1834"/>
+                                          </p:stCondLst>
+                                        </p:cTn>
+                                        <p:tgtEl>
+                                          <p:spTgt spid="25">
+                                            <p:txEl>
+                                              <p:pRg st="1" end="1"/>
+                                            </p:txEl>
+                                          </p:spTgt>
+                                        </p:tgtEl>
+                                      </p:cBhvr>
+                                      <p:to x="100000" y="100000"/>
+                                    </p:animScale>
+                                  </p:childTnLst>
+                                </p:cTn>
+                              </p:par>
+                            </p:childTnLst>
+                          </p:cTn>
+                        </p:par>
+                      </p:childTnLst>
+                    </p:cTn>
+                  </p:par>
+                </p:childTnLst>
+              </p:cTn>
+              <p:prevCondLst>
+                <p:cond evt="onPrev" delay="0">
+                  <p:tgtEl>
+                    <p:sldTgt/>
+                  </p:tgtEl>
+                </p:cond>
+              </p:prevCondLst>
+              <p:nextCondLst>
+                <p:cond evt="onNext" delay="0">
+                  <p:tgtEl>
+                    <p:sldTgt/>
+                  </p:tgtEl>
+                </p:cond>
+              </p:nextCondLst>
+            </p:seq>
+          </p:childTnLst>
+        </p:cTn>
+      </p:par>
+    </p:tnLst>
+    <p:bldLst>
+      <p:bldP spid="25" grpId="3" uiExpand="1" build="allAtOnce"/>
+    </p:bldLst>
+  </p:timing>
 </p:sld>
 </file>
 
@@ -9691,6 +11855,18 @@
   <p:clrMapOvr>
     <a:masterClrMapping/>
   </p:clrMapOvr>
+  <mc:AlternateContent xmlns:mc="http://schemas.openxmlformats.org/markup-compatibility/2006" xmlns:p15="http://schemas.microsoft.com/office/powerpoint/2012/main">
+    <mc:Choice Requires="p15">
+      <p:transition xmlns:p14="http://schemas.microsoft.com/office/powerpoint/2010/main" spd="slow" p14:dur="1250">
+        <p15:prstTrans prst="pageCurlDouble"/>
+      </p:transition>
+    </mc:Choice>
+    <mc:Fallback xmlns="">
+      <p:transition spd="slow">
+        <p:fade/>
+      </p:transition>
+    </mc:Fallback>
+  </mc:AlternateContent>
 </p:sld>
 </file>
 
@@ -10665,6 +12841,18 @@
   <p:clrMapOvr>
     <a:masterClrMapping/>
   </p:clrMapOvr>
+  <mc:AlternateContent xmlns:mc="http://schemas.openxmlformats.org/markup-compatibility/2006" xmlns:p14="http://schemas.microsoft.com/office/powerpoint/2010/main">
+    <mc:Choice Requires="p14">
+      <p:transition spd="slow" p14:dur="1500">
+        <p:split orient="vert"/>
+      </p:transition>
+    </mc:Choice>
+    <mc:Fallback xmlns="">
+      <p:transition spd="slow">
+        <p:split orient="vert"/>
+      </p:transition>
+    </mc:Fallback>
+  </mc:AlternateContent>
 </p:sld>
 </file>
 
@@ -11339,6 +13527,9 @@
   <p:clrMapOvr>
     <a:masterClrMapping/>
   </p:clrMapOvr>
+  <p:transition spd="slow">
+    <p:wheel spokes="1"/>
+  </p:transition>
 </p:sld>
 </file>
 
@@ -11374,7 +13565,7 @@
         <p:spPr>
           <a:xfrm>
             <a:off x="296750" y="1261549"/>
-            <a:ext cx="7794281" cy="1138157"/>
+            <a:ext cx="5340987" cy="1138157"/>
           </a:xfrm>
           <a:prstGeom prst="rect">
             <a:avLst/>
@@ -13252,6 +15443,376 @@
   <p:clrMapOvr>
     <a:masterClrMapping/>
   </p:clrMapOvr>
+  <p:transition spd="slow">
+    <p:push dir="u"/>
+  </p:transition>
+  <p:timing>
+    <p:tnLst>
+      <p:par>
+        <p:cTn id="1" dur="indefinite" restart="never" nodeType="tmRoot">
+          <p:childTnLst>
+            <p:seq concurrent="1" nextAc="seek">
+              <p:cTn id="2" dur="indefinite" nodeType="mainSeq">
+                <p:childTnLst>
+                  <p:par>
+                    <p:cTn id="3" fill="hold">
+                      <p:stCondLst>
+                        <p:cond delay="indefinite"/>
+                        <p:cond evt="onBegin" delay="0">
+                          <p:tn val="2"/>
+                        </p:cond>
+                      </p:stCondLst>
+                      <p:childTnLst>
+                        <p:par>
+                          <p:cTn id="4" fill="hold">
+                            <p:stCondLst>
+                              <p:cond delay="0"/>
+                            </p:stCondLst>
+                            <p:childTnLst>
+                              <p:par>
+                                <p:cTn id="5" presetID="26" presetClass="entr" presetSubtype="0" fill="hold" nodeType="afterEffect">
+                                  <p:stCondLst>
+                                    <p:cond delay="0"/>
+                                  </p:stCondLst>
+                                  <p:childTnLst>
+                                    <p:set>
+                                      <p:cBhvr>
+                                        <p:cTn id="6" dur="1" fill="hold">
+                                          <p:stCondLst>
+                                            <p:cond delay="0"/>
+                                          </p:stCondLst>
+                                        </p:cTn>
+                                        <p:tgtEl>
+                                          <p:spTgt spid="5"/>
+                                        </p:tgtEl>
+                                        <p:attrNameLst>
+                                          <p:attrName>style.visibility</p:attrName>
+                                        </p:attrNameLst>
+                                      </p:cBhvr>
+                                      <p:to>
+                                        <p:strVal val="visible"/>
+                                      </p:to>
+                                    </p:set>
+                                    <p:animEffect transition="in" filter="wipe(down)">
+                                      <p:cBhvr>
+                                        <p:cTn id="7" dur="580">
+                                          <p:stCondLst>
+                                            <p:cond delay="0"/>
+                                          </p:stCondLst>
+                                        </p:cTn>
+                                        <p:tgtEl>
+                                          <p:spTgt spid="5"/>
+                                        </p:tgtEl>
+                                      </p:cBhvr>
+                                    </p:animEffect>
+                                    <p:anim calcmode="lin" valueType="num">
+                                      <p:cBhvr>
+                                        <p:cTn id="8" dur="1822" tmFilter="0,0; 0.14,0.36; 0.43,0.73; 0.71,0.91; 1.0,1.0">
+                                          <p:stCondLst>
+                                            <p:cond delay="0"/>
+                                          </p:stCondLst>
+                                        </p:cTn>
+                                        <p:tgtEl>
+                                          <p:spTgt spid="5"/>
+                                        </p:tgtEl>
+                                        <p:attrNameLst>
+                                          <p:attrName>ppt_x</p:attrName>
+                                        </p:attrNameLst>
+                                      </p:cBhvr>
+                                      <p:tavLst>
+                                        <p:tav tm="0">
+                                          <p:val>
+                                            <p:strVal val="#ppt_x-0.25"/>
+                                          </p:val>
+                                        </p:tav>
+                                        <p:tav tm="100000">
+                                          <p:val>
+                                            <p:strVal val="#ppt_x"/>
+                                          </p:val>
+                                        </p:tav>
+                                      </p:tavLst>
+                                    </p:anim>
+                                    <p:anim calcmode="lin" valueType="num">
+                                      <p:cBhvr>
+                                        <p:cTn id="9" dur="664" tmFilter="0.0,0.0; 0.25,0.07; 0.50,0.2; 0.75,0.467; 1.0,1.0">
+                                          <p:stCondLst>
+                                            <p:cond delay="0"/>
+                                          </p:stCondLst>
+                                        </p:cTn>
+                                        <p:tgtEl>
+                                          <p:spTgt spid="5"/>
+                                        </p:tgtEl>
+                                        <p:attrNameLst>
+                                          <p:attrName>ppt_y</p:attrName>
+                                        </p:attrNameLst>
+                                      </p:cBhvr>
+                                      <p:tavLst>
+                                        <p:tav tm="0" fmla="#ppt_y-sin(pi*$)/3">
+                                          <p:val>
+                                            <p:fltVal val="0.5"/>
+                                          </p:val>
+                                        </p:tav>
+                                        <p:tav tm="100000">
+                                          <p:val>
+                                            <p:fltVal val="1"/>
+                                          </p:val>
+                                        </p:tav>
+                                      </p:tavLst>
+                                    </p:anim>
+                                    <p:anim calcmode="lin" valueType="num">
+                                      <p:cBhvr>
+                                        <p:cTn id="10" dur="664" tmFilter="0, 0; 0.125,0.2665; 0.25,0.4; 0.375,0.465; 0.5,0.5;  0.625,0.535; 0.75,0.6; 0.875,0.7335; 1,1">
+                                          <p:stCondLst>
+                                            <p:cond delay="664"/>
+                                          </p:stCondLst>
+                                        </p:cTn>
+                                        <p:tgtEl>
+                                          <p:spTgt spid="5"/>
+                                        </p:tgtEl>
+                                        <p:attrNameLst>
+                                          <p:attrName>ppt_y</p:attrName>
+                                        </p:attrNameLst>
+                                      </p:cBhvr>
+                                      <p:tavLst>
+                                        <p:tav tm="0" fmla="#ppt_y-sin(pi*$)/9">
+                                          <p:val>
+                                            <p:fltVal val="0"/>
+                                          </p:val>
+                                        </p:tav>
+                                        <p:tav tm="100000">
+                                          <p:val>
+                                            <p:fltVal val="1"/>
+                                          </p:val>
+                                        </p:tav>
+                                      </p:tavLst>
+                                    </p:anim>
+                                    <p:anim calcmode="lin" valueType="num">
+                                      <p:cBhvr>
+                                        <p:cTn id="11" dur="332" tmFilter="0, 0; 0.125,0.2665; 0.25,0.4; 0.375,0.465; 0.5,0.5;  0.625,0.535; 0.75,0.6; 0.875,0.7335; 1,1">
+                                          <p:stCondLst>
+                                            <p:cond delay="1324"/>
+                                          </p:stCondLst>
+                                        </p:cTn>
+                                        <p:tgtEl>
+                                          <p:spTgt spid="5"/>
+                                        </p:tgtEl>
+                                        <p:attrNameLst>
+                                          <p:attrName>ppt_y</p:attrName>
+                                        </p:attrNameLst>
+                                      </p:cBhvr>
+                                      <p:tavLst>
+                                        <p:tav tm="0" fmla="#ppt_y-sin(pi*$)/27">
+                                          <p:val>
+                                            <p:fltVal val="0"/>
+                                          </p:val>
+                                        </p:tav>
+                                        <p:tav tm="100000">
+                                          <p:val>
+                                            <p:fltVal val="1"/>
+                                          </p:val>
+                                        </p:tav>
+                                      </p:tavLst>
+                                    </p:anim>
+                                    <p:anim calcmode="lin" valueType="num">
+                                      <p:cBhvr>
+                                        <p:cTn id="12" dur="164" tmFilter="0, 0; 0.125,0.2665; 0.25,0.4; 0.375,0.465; 0.5,0.5;  0.625,0.535; 0.75,0.6; 0.875,0.7335; 1,1">
+                                          <p:stCondLst>
+                                            <p:cond delay="1656"/>
+                                          </p:stCondLst>
+                                        </p:cTn>
+                                        <p:tgtEl>
+                                          <p:spTgt spid="5"/>
+                                        </p:tgtEl>
+                                        <p:attrNameLst>
+                                          <p:attrName>ppt_y</p:attrName>
+                                        </p:attrNameLst>
+                                      </p:cBhvr>
+                                      <p:tavLst>
+                                        <p:tav tm="0" fmla="#ppt_y-sin(pi*$)/81">
+                                          <p:val>
+                                            <p:fltVal val="0"/>
+                                          </p:val>
+                                        </p:tav>
+                                        <p:tav tm="100000">
+                                          <p:val>
+                                            <p:fltVal val="1"/>
+                                          </p:val>
+                                        </p:tav>
+                                      </p:tavLst>
+                                    </p:anim>
+                                    <p:animScale>
+                                      <p:cBhvr>
+                                        <p:cTn id="13" dur="26">
+                                          <p:stCondLst>
+                                            <p:cond delay="650"/>
+                                          </p:stCondLst>
+                                        </p:cTn>
+                                        <p:tgtEl>
+                                          <p:spTgt spid="5"/>
+                                        </p:tgtEl>
+                                      </p:cBhvr>
+                                      <p:to x="100000" y="60000"/>
+                                    </p:animScale>
+                                    <p:animScale>
+                                      <p:cBhvr>
+                                        <p:cTn id="14" dur="166" decel="50000">
+                                          <p:stCondLst>
+                                            <p:cond delay="676"/>
+                                          </p:stCondLst>
+                                        </p:cTn>
+                                        <p:tgtEl>
+                                          <p:spTgt spid="5"/>
+                                        </p:tgtEl>
+                                      </p:cBhvr>
+                                      <p:to x="100000" y="100000"/>
+                                    </p:animScale>
+                                    <p:animScale>
+                                      <p:cBhvr>
+                                        <p:cTn id="15" dur="26">
+                                          <p:stCondLst>
+                                            <p:cond delay="1312"/>
+                                          </p:stCondLst>
+                                        </p:cTn>
+                                        <p:tgtEl>
+                                          <p:spTgt spid="5"/>
+                                        </p:tgtEl>
+                                      </p:cBhvr>
+                                      <p:to x="100000" y="80000"/>
+                                    </p:animScale>
+                                    <p:animScale>
+                                      <p:cBhvr>
+                                        <p:cTn id="16" dur="166" decel="50000">
+                                          <p:stCondLst>
+                                            <p:cond delay="1338"/>
+                                          </p:stCondLst>
+                                        </p:cTn>
+                                        <p:tgtEl>
+                                          <p:spTgt spid="5"/>
+                                        </p:tgtEl>
+                                      </p:cBhvr>
+                                      <p:to x="100000" y="100000"/>
+                                    </p:animScale>
+                                    <p:animScale>
+                                      <p:cBhvr>
+                                        <p:cTn id="17" dur="26">
+                                          <p:stCondLst>
+                                            <p:cond delay="1642"/>
+                                          </p:stCondLst>
+                                        </p:cTn>
+                                        <p:tgtEl>
+                                          <p:spTgt spid="5"/>
+                                        </p:tgtEl>
+                                      </p:cBhvr>
+                                      <p:to x="100000" y="90000"/>
+                                    </p:animScale>
+                                    <p:animScale>
+                                      <p:cBhvr>
+                                        <p:cTn id="18" dur="166" decel="50000">
+                                          <p:stCondLst>
+                                            <p:cond delay="1668"/>
+                                          </p:stCondLst>
+                                        </p:cTn>
+                                        <p:tgtEl>
+                                          <p:spTgt spid="5"/>
+                                        </p:tgtEl>
+                                      </p:cBhvr>
+                                      <p:to x="100000" y="100000"/>
+                                    </p:animScale>
+                                    <p:animScale>
+                                      <p:cBhvr>
+                                        <p:cTn id="19" dur="26">
+                                          <p:stCondLst>
+                                            <p:cond delay="1808"/>
+                                          </p:stCondLst>
+                                        </p:cTn>
+                                        <p:tgtEl>
+                                          <p:spTgt spid="5"/>
+                                        </p:tgtEl>
+                                      </p:cBhvr>
+                                      <p:to x="100000" y="95000"/>
+                                    </p:animScale>
+                                    <p:animScale>
+                                      <p:cBhvr>
+                                        <p:cTn id="20" dur="166" decel="50000">
+                                          <p:stCondLst>
+                                            <p:cond delay="1834"/>
+                                          </p:stCondLst>
+                                        </p:cTn>
+                                        <p:tgtEl>
+                                          <p:spTgt spid="5"/>
+                                        </p:tgtEl>
+                                      </p:cBhvr>
+                                      <p:to x="100000" y="100000"/>
+                                    </p:animScale>
+                                  </p:childTnLst>
+                                </p:cTn>
+                              </p:par>
+                              <p:par>
+                                <p:cTn id="21" presetID="10" presetClass="entr" presetSubtype="0" fill="hold" grpId="0" nodeType="withEffect">
+                                  <p:stCondLst>
+                                    <p:cond delay="0"/>
+                                  </p:stCondLst>
+                                  <p:childTnLst>
+                                    <p:set>
+                                      <p:cBhvr>
+                                        <p:cTn id="22" dur="1" fill="hold">
+                                          <p:stCondLst>
+                                            <p:cond delay="0"/>
+                                          </p:stCondLst>
+                                        </p:cTn>
+                                        <p:tgtEl>
+                                          <p:spTgt spid="26"/>
+                                        </p:tgtEl>
+                                        <p:attrNameLst>
+                                          <p:attrName>style.visibility</p:attrName>
+                                        </p:attrNameLst>
+                                      </p:cBhvr>
+                                      <p:to>
+                                        <p:strVal val="visible"/>
+                                      </p:to>
+                                    </p:set>
+                                    <p:animEffect transition="in" filter="fade">
+                                      <p:cBhvr>
+                                        <p:cTn id="23" dur="500"/>
+                                        <p:tgtEl>
+                                          <p:spTgt spid="26"/>
+                                        </p:tgtEl>
+                                      </p:cBhvr>
+                                    </p:animEffect>
+                                  </p:childTnLst>
+                                </p:cTn>
+                              </p:par>
+                            </p:childTnLst>
+                          </p:cTn>
+                        </p:par>
+                      </p:childTnLst>
+                    </p:cTn>
+                  </p:par>
+                </p:childTnLst>
+              </p:cTn>
+              <p:prevCondLst>
+                <p:cond evt="onPrev" delay="0">
+                  <p:tgtEl>
+                    <p:sldTgt/>
+                  </p:tgtEl>
+                </p:cond>
+              </p:prevCondLst>
+              <p:nextCondLst>
+                <p:cond evt="onNext" delay="0">
+                  <p:tgtEl>
+                    <p:sldTgt/>
+                  </p:tgtEl>
+                </p:cond>
+              </p:nextCondLst>
+            </p:seq>
+          </p:childTnLst>
+        </p:cTn>
+      </p:par>
+    </p:tnLst>
+    <p:bldLst>
+      <p:bldP spid="26" grpId="0" animBg="1"/>
+    </p:bldLst>
+  </p:timing>
 </p:sld>
 </file>
 
@@ -14764,6 +17325,18 @@
   <p:clrMapOvr>
     <a:masterClrMapping/>
   </p:clrMapOvr>
+  <mc:AlternateContent xmlns:mc="http://schemas.openxmlformats.org/markup-compatibility/2006" xmlns:p14="http://schemas.microsoft.com/office/powerpoint/2010/main">
+    <mc:Choice Requires="p14">
+      <p:transition spd="slow" p14:dur="1600">
+        <p:blinds dir="vert"/>
+      </p:transition>
+    </mc:Choice>
+    <mc:Fallback xmlns="">
+      <p:transition spd="slow">
+        <p:blinds dir="vert"/>
+      </p:transition>
+    </mc:Fallback>
+  </mc:AlternateContent>
 </p:sld>
 </file>
 
@@ -18389,6 +20962,854 @@
   <p:clrMapOvr>
     <a:masterClrMapping/>
   </p:clrMapOvr>
+  <p:timing>
+    <p:tnLst>
+      <p:par>
+        <p:cTn id="1" dur="indefinite" restart="never" nodeType="tmRoot">
+          <p:childTnLst>
+            <p:seq concurrent="1" nextAc="seek">
+              <p:cTn id="2" dur="indefinite" nodeType="mainSeq">
+                <p:childTnLst>
+                  <p:par>
+                    <p:cTn id="3" fill="hold">
+                      <p:stCondLst>
+                        <p:cond delay="indefinite"/>
+                        <p:cond evt="onBegin" delay="0">
+                          <p:tn val="2"/>
+                        </p:cond>
+                      </p:stCondLst>
+                      <p:childTnLst>
+                        <p:par>
+                          <p:cTn id="4" fill="hold">
+                            <p:stCondLst>
+                              <p:cond delay="0"/>
+                            </p:stCondLst>
+                            <p:childTnLst>
+                              <p:par>
+                                <p:cTn id="5" presetID="10" presetClass="entr" presetSubtype="0" fill="hold" nodeType="afterEffect">
+                                  <p:stCondLst>
+                                    <p:cond delay="0"/>
+                                  </p:stCondLst>
+                                  <p:childTnLst>
+                                    <p:set>
+                                      <p:cBhvr>
+                                        <p:cTn id="6" dur="1" fill="hold">
+                                          <p:stCondLst>
+                                            <p:cond delay="0"/>
+                                          </p:stCondLst>
+                                        </p:cTn>
+                                        <p:tgtEl>
+                                          <p:spTgt spid="42"/>
+                                        </p:tgtEl>
+                                        <p:attrNameLst>
+                                          <p:attrName>style.visibility</p:attrName>
+                                        </p:attrNameLst>
+                                      </p:cBhvr>
+                                      <p:to>
+                                        <p:strVal val="visible"/>
+                                      </p:to>
+                                    </p:set>
+                                    <p:animEffect transition="in" filter="fade">
+                                      <p:cBhvr>
+                                        <p:cTn id="7" dur="500"/>
+                                        <p:tgtEl>
+                                          <p:spTgt spid="42"/>
+                                        </p:tgtEl>
+                                      </p:cBhvr>
+                                    </p:animEffect>
+                                  </p:childTnLst>
+                                </p:cTn>
+                              </p:par>
+                            </p:childTnLst>
+                          </p:cTn>
+                        </p:par>
+                        <p:par>
+                          <p:cTn id="8" fill="hold">
+                            <p:stCondLst>
+                              <p:cond delay="500"/>
+                            </p:stCondLst>
+                            <p:childTnLst>
+                              <p:par>
+                                <p:cTn id="9" presetID="2" presetClass="entr" presetSubtype="4" fill="hold" grpId="2" nodeType="afterEffect">
+                                  <p:stCondLst>
+                                    <p:cond delay="0"/>
+                                  </p:stCondLst>
+                                  <p:childTnLst>
+                                    <p:set>
+                                      <p:cBhvr>
+                                        <p:cTn id="10" dur="1" fill="hold">
+                                          <p:stCondLst>
+                                            <p:cond delay="0"/>
+                                          </p:stCondLst>
+                                        </p:cTn>
+                                        <p:tgtEl>
+                                          <p:spTgt spid="60"/>
+                                        </p:tgtEl>
+                                        <p:attrNameLst>
+                                          <p:attrName>style.visibility</p:attrName>
+                                        </p:attrNameLst>
+                                      </p:cBhvr>
+                                      <p:to>
+                                        <p:strVal val="visible"/>
+                                      </p:to>
+                                    </p:set>
+                                    <p:anim calcmode="lin" valueType="num">
+                                      <p:cBhvr additive="base">
+                                        <p:cTn id="11" dur="500" fill="hold"/>
+                                        <p:tgtEl>
+                                          <p:spTgt spid="60"/>
+                                        </p:tgtEl>
+                                        <p:attrNameLst>
+                                          <p:attrName>ppt_x</p:attrName>
+                                        </p:attrNameLst>
+                                      </p:cBhvr>
+                                      <p:tavLst>
+                                        <p:tav tm="0">
+                                          <p:val>
+                                            <p:strVal val="#ppt_x"/>
+                                          </p:val>
+                                        </p:tav>
+                                        <p:tav tm="100000">
+                                          <p:val>
+                                            <p:strVal val="#ppt_x"/>
+                                          </p:val>
+                                        </p:tav>
+                                      </p:tavLst>
+                                    </p:anim>
+                                    <p:anim calcmode="lin" valueType="num">
+                                      <p:cBhvr additive="base">
+                                        <p:cTn id="12" dur="500" fill="hold"/>
+                                        <p:tgtEl>
+                                          <p:spTgt spid="60"/>
+                                        </p:tgtEl>
+                                        <p:attrNameLst>
+                                          <p:attrName>ppt_y</p:attrName>
+                                        </p:attrNameLst>
+                                      </p:cBhvr>
+                                      <p:tavLst>
+                                        <p:tav tm="0">
+                                          <p:val>
+                                            <p:strVal val="1+#ppt_h/2"/>
+                                          </p:val>
+                                        </p:tav>
+                                        <p:tav tm="100000">
+                                          <p:val>
+                                            <p:strVal val="#ppt_y"/>
+                                          </p:val>
+                                        </p:tav>
+                                      </p:tavLst>
+                                    </p:anim>
+                                  </p:childTnLst>
+                                </p:cTn>
+                              </p:par>
+                              <p:par>
+                                <p:cTn id="13" presetID="2" presetClass="entr" presetSubtype="4" fill="hold" grpId="0" nodeType="withEffect">
+                                  <p:stCondLst>
+                                    <p:cond delay="0"/>
+                                  </p:stCondLst>
+                                  <p:childTnLst>
+                                    <p:set>
+                                      <p:cBhvr>
+                                        <p:cTn id="14" dur="1" fill="hold">
+                                          <p:stCondLst>
+                                            <p:cond delay="0"/>
+                                          </p:stCondLst>
+                                        </p:cTn>
+                                        <p:tgtEl>
+                                          <p:spTgt spid="61"/>
+                                        </p:tgtEl>
+                                        <p:attrNameLst>
+                                          <p:attrName>style.visibility</p:attrName>
+                                        </p:attrNameLst>
+                                      </p:cBhvr>
+                                      <p:to>
+                                        <p:strVal val="visible"/>
+                                      </p:to>
+                                    </p:set>
+                                    <p:anim calcmode="lin" valueType="num">
+                                      <p:cBhvr additive="base">
+                                        <p:cTn id="15" dur="500" fill="hold"/>
+                                        <p:tgtEl>
+                                          <p:spTgt spid="61"/>
+                                        </p:tgtEl>
+                                        <p:attrNameLst>
+                                          <p:attrName>ppt_x</p:attrName>
+                                        </p:attrNameLst>
+                                      </p:cBhvr>
+                                      <p:tavLst>
+                                        <p:tav tm="0">
+                                          <p:val>
+                                            <p:strVal val="#ppt_x"/>
+                                          </p:val>
+                                        </p:tav>
+                                        <p:tav tm="100000">
+                                          <p:val>
+                                            <p:strVal val="#ppt_x"/>
+                                          </p:val>
+                                        </p:tav>
+                                      </p:tavLst>
+                                    </p:anim>
+                                    <p:anim calcmode="lin" valueType="num">
+                                      <p:cBhvr additive="base">
+                                        <p:cTn id="16" dur="500" fill="hold"/>
+                                        <p:tgtEl>
+                                          <p:spTgt spid="61"/>
+                                        </p:tgtEl>
+                                        <p:attrNameLst>
+                                          <p:attrName>ppt_y</p:attrName>
+                                        </p:attrNameLst>
+                                      </p:cBhvr>
+                                      <p:tavLst>
+                                        <p:tav tm="0">
+                                          <p:val>
+                                            <p:strVal val="1+#ppt_h/2"/>
+                                          </p:val>
+                                        </p:tav>
+                                        <p:tav tm="100000">
+                                          <p:val>
+                                            <p:strVal val="#ppt_y"/>
+                                          </p:val>
+                                        </p:tav>
+                                      </p:tavLst>
+                                    </p:anim>
+                                  </p:childTnLst>
+                                </p:cTn>
+                              </p:par>
+                            </p:childTnLst>
+                          </p:cTn>
+                        </p:par>
+                        <p:par>
+                          <p:cTn id="17" fill="hold">
+                            <p:stCondLst>
+                              <p:cond delay="1000"/>
+                            </p:stCondLst>
+                            <p:childTnLst>
+                              <p:par>
+                                <p:cTn id="18" presetID="10" presetClass="entr" presetSubtype="0" fill="hold" nodeType="afterEffect">
+                                  <p:stCondLst>
+                                    <p:cond delay="0"/>
+                                  </p:stCondLst>
+                                  <p:childTnLst>
+                                    <p:set>
+                                      <p:cBhvr>
+                                        <p:cTn id="19" dur="1" fill="hold">
+                                          <p:stCondLst>
+                                            <p:cond delay="0"/>
+                                          </p:stCondLst>
+                                        </p:cTn>
+                                        <p:tgtEl>
+                                          <p:spTgt spid="48"/>
+                                        </p:tgtEl>
+                                        <p:attrNameLst>
+                                          <p:attrName>style.visibility</p:attrName>
+                                        </p:attrNameLst>
+                                      </p:cBhvr>
+                                      <p:to>
+                                        <p:strVal val="visible"/>
+                                      </p:to>
+                                    </p:set>
+                                    <p:animEffect transition="in" filter="fade">
+                                      <p:cBhvr>
+                                        <p:cTn id="20" dur="500"/>
+                                        <p:tgtEl>
+                                          <p:spTgt spid="48"/>
+                                        </p:tgtEl>
+                                      </p:cBhvr>
+                                    </p:animEffect>
+                                  </p:childTnLst>
+                                </p:cTn>
+                              </p:par>
+                            </p:childTnLst>
+                          </p:cTn>
+                        </p:par>
+                        <p:par>
+                          <p:cTn id="21" fill="hold">
+                            <p:stCondLst>
+                              <p:cond delay="1500"/>
+                            </p:stCondLst>
+                            <p:childTnLst>
+                              <p:par>
+                                <p:cTn id="22" presetID="2" presetClass="entr" presetSubtype="4" fill="hold" grpId="0" nodeType="afterEffect">
+                                  <p:stCondLst>
+                                    <p:cond delay="0"/>
+                                  </p:stCondLst>
+                                  <p:childTnLst>
+                                    <p:set>
+                                      <p:cBhvr>
+                                        <p:cTn id="23" dur="1" fill="hold">
+                                          <p:stCondLst>
+                                            <p:cond delay="0"/>
+                                          </p:stCondLst>
+                                        </p:cTn>
+                                        <p:tgtEl>
+                                          <p:spTgt spid="58"/>
+                                        </p:tgtEl>
+                                        <p:attrNameLst>
+                                          <p:attrName>style.visibility</p:attrName>
+                                        </p:attrNameLst>
+                                      </p:cBhvr>
+                                      <p:to>
+                                        <p:strVal val="visible"/>
+                                      </p:to>
+                                    </p:set>
+                                    <p:anim calcmode="lin" valueType="num">
+                                      <p:cBhvr additive="base">
+                                        <p:cTn id="24" dur="500" fill="hold"/>
+                                        <p:tgtEl>
+                                          <p:spTgt spid="58"/>
+                                        </p:tgtEl>
+                                        <p:attrNameLst>
+                                          <p:attrName>ppt_x</p:attrName>
+                                        </p:attrNameLst>
+                                      </p:cBhvr>
+                                      <p:tavLst>
+                                        <p:tav tm="0">
+                                          <p:val>
+                                            <p:strVal val="#ppt_x"/>
+                                          </p:val>
+                                        </p:tav>
+                                        <p:tav tm="100000">
+                                          <p:val>
+                                            <p:strVal val="#ppt_x"/>
+                                          </p:val>
+                                        </p:tav>
+                                      </p:tavLst>
+                                    </p:anim>
+                                    <p:anim calcmode="lin" valueType="num">
+                                      <p:cBhvr additive="base">
+                                        <p:cTn id="25" dur="500" fill="hold"/>
+                                        <p:tgtEl>
+                                          <p:spTgt spid="58"/>
+                                        </p:tgtEl>
+                                        <p:attrNameLst>
+                                          <p:attrName>ppt_y</p:attrName>
+                                        </p:attrNameLst>
+                                      </p:cBhvr>
+                                      <p:tavLst>
+                                        <p:tav tm="0">
+                                          <p:val>
+                                            <p:strVal val="1+#ppt_h/2"/>
+                                          </p:val>
+                                        </p:tav>
+                                        <p:tav tm="100000">
+                                          <p:val>
+                                            <p:strVal val="#ppt_y"/>
+                                          </p:val>
+                                        </p:tav>
+                                      </p:tavLst>
+                                    </p:anim>
+                                  </p:childTnLst>
+                                </p:cTn>
+                              </p:par>
+                              <p:par>
+                                <p:cTn id="26" presetID="2" presetClass="entr" presetSubtype="4" fill="hold" grpId="0" nodeType="withEffect">
+                                  <p:stCondLst>
+                                    <p:cond delay="0"/>
+                                  </p:stCondLst>
+                                  <p:childTnLst>
+                                    <p:set>
+                                      <p:cBhvr>
+                                        <p:cTn id="27" dur="1" fill="hold">
+                                          <p:stCondLst>
+                                            <p:cond delay="0"/>
+                                          </p:stCondLst>
+                                        </p:cTn>
+                                        <p:tgtEl>
+                                          <p:spTgt spid="59"/>
+                                        </p:tgtEl>
+                                        <p:attrNameLst>
+                                          <p:attrName>style.visibility</p:attrName>
+                                        </p:attrNameLst>
+                                      </p:cBhvr>
+                                      <p:to>
+                                        <p:strVal val="visible"/>
+                                      </p:to>
+                                    </p:set>
+                                    <p:anim calcmode="lin" valueType="num">
+                                      <p:cBhvr additive="base">
+                                        <p:cTn id="28" dur="500" fill="hold"/>
+                                        <p:tgtEl>
+                                          <p:spTgt spid="59"/>
+                                        </p:tgtEl>
+                                        <p:attrNameLst>
+                                          <p:attrName>ppt_x</p:attrName>
+                                        </p:attrNameLst>
+                                      </p:cBhvr>
+                                      <p:tavLst>
+                                        <p:tav tm="0">
+                                          <p:val>
+                                            <p:strVal val="#ppt_x"/>
+                                          </p:val>
+                                        </p:tav>
+                                        <p:tav tm="100000">
+                                          <p:val>
+                                            <p:strVal val="#ppt_x"/>
+                                          </p:val>
+                                        </p:tav>
+                                      </p:tavLst>
+                                    </p:anim>
+                                    <p:anim calcmode="lin" valueType="num">
+                                      <p:cBhvr additive="base">
+                                        <p:cTn id="29" dur="500" fill="hold"/>
+                                        <p:tgtEl>
+                                          <p:spTgt spid="59"/>
+                                        </p:tgtEl>
+                                        <p:attrNameLst>
+                                          <p:attrName>ppt_y</p:attrName>
+                                        </p:attrNameLst>
+                                      </p:cBhvr>
+                                      <p:tavLst>
+                                        <p:tav tm="0">
+                                          <p:val>
+                                            <p:strVal val="1+#ppt_h/2"/>
+                                          </p:val>
+                                        </p:tav>
+                                        <p:tav tm="100000">
+                                          <p:val>
+                                            <p:strVal val="#ppt_y"/>
+                                          </p:val>
+                                        </p:tav>
+                                      </p:tavLst>
+                                    </p:anim>
+                                  </p:childTnLst>
+                                </p:cTn>
+                              </p:par>
+                            </p:childTnLst>
+                          </p:cTn>
+                        </p:par>
+                        <p:par>
+                          <p:cTn id="30" fill="hold">
+                            <p:stCondLst>
+                              <p:cond delay="2000"/>
+                            </p:stCondLst>
+                            <p:childTnLst>
+                              <p:par>
+                                <p:cTn id="31" presetID="10" presetClass="entr" presetSubtype="0" fill="hold" nodeType="afterEffect">
+                                  <p:stCondLst>
+                                    <p:cond delay="0"/>
+                                  </p:stCondLst>
+                                  <p:childTnLst>
+                                    <p:set>
+                                      <p:cBhvr>
+                                        <p:cTn id="32" dur="1" fill="hold">
+                                          <p:stCondLst>
+                                            <p:cond delay="0"/>
+                                          </p:stCondLst>
+                                        </p:cTn>
+                                        <p:tgtEl>
+                                          <p:spTgt spid="45"/>
+                                        </p:tgtEl>
+                                        <p:attrNameLst>
+                                          <p:attrName>style.visibility</p:attrName>
+                                        </p:attrNameLst>
+                                      </p:cBhvr>
+                                      <p:to>
+                                        <p:strVal val="visible"/>
+                                      </p:to>
+                                    </p:set>
+                                    <p:animEffect transition="in" filter="fade">
+                                      <p:cBhvr>
+                                        <p:cTn id="33" dur="500"/>
+                                        <p:tgtEl>
+                                          <p:spTgt spid="45"/>
+                                        </p:tgtEl>
+                                      </p:cBhvr>
+                                    </p:animEffect>
+                                  </p:childTnLst>
+                                </p:cTn>
+                              </p:par>
+                            </p:childTnLst>
+                          </p:cTn>
+                        </p:par>
+                        <p:par>
+                          <p:cTn id="34" fill="hold">
+                            <p:stCondLst>
+                              <p:cond delay="2500"/>
+                            </p:stCondLst>
+                            <p:childTnLst>
+                              <p:par>
+                                <p:cTn id="35" presetID="2" presetClass="entr" presetSubtype="4" fill="hold" grpId="0" nodeType="afterEffect">
+                                  <p:stCondLst>
+                                    <p:cond delay="0"/>
+                                  </p:stCondLst>
+                                  <p:childTnLst>
+                                    <p:set>
+                                      <p:cBhvr>
+                                        <p:cTn id="36" dur="1" fill="hold">
+                                          <p:stCondLst>
+                                            <p:cond delay="0"/>
+                                          </p:stCondLst>
+                                        </p:cTn>
+                                        <p:tgtEl>
+                                          <p:spTgt spid="54"/>
+                                        </p:tgtEl>
+                                        <p:attrNameLst>
+                                          <p:attrName>style.visibility</p:attrName>
+                                        </p:attrNameLst>
+                                      </p:cBhvr>
+                                      <p:to>
+                                        <p:strVal val="visible"/>
+                                      </p:to>
+                                    </p:set>
+                                    <p:anim calcmode="lin" valueType="num">
+                                      <p:cBhvr additive="base">
+                                        <p:cTn id="37" dur="500" fill="hold"/>
+                                        <p:tgtEl>
+                                          <p:spTgt spid="54"/>
+                                        </p:tgtEl>
+                                        <p:attrNameLst>
+                                          <p:attrName>ppt_x</p:attrName>
+                                        </p:attrNameLst>
+                                      </p:cBhvr>
+                                      <p:tavLst>
+                                        <p:tav tm="0">
+                                          <p:val>
+                                            <p:strVal val="#ppt_x"/>
+                                          </p:val>
+                                        </p:tav>
+                                        <p:tav tm="100000">
+                                          <p:val>
+                                            <p:strVal val="#ppt_x"/>
+                                          </p:val>
+                                        </p:tav>
+                                      </p:tavLst>
+                                    </p:anim>
+                                    <p:anim calcmode="lin" valueType="num">
+                                      <p:cBhvr additive="base">
+                                        <p:cTn id="38" dur="500" fill="hold"/>
+                                        <p:tgtEl>
+                                          <p:spTgt spid="54"/>
+                                        </p:tgtEl>
+                                        <p:attrNameLst>
+                                          <p:attrName>ppt_y</p:attrName>
+                                        </p:attrNameLst>
+                                      </p:cBhvr>
+                                      <p:tavLst>
+                                        <p:tav tm="0">
+                                          <p:val>
+                                            <p:strVal val="1+#ppt_h/2"/>
+                                          </p:val>
+                                        </p:tav>
+                                        <p:tav tm="100000">
+                                          <p:val>
+                                            <p:strVal val="#ppt_y"/>
+                                          </p:val>
+                                        </p:tav>
+                                      </p:tavLst>
+                                    </p:anim>
+                                  </p:childTnLst>
+                                </p:cTn>
+                              </p:par>
+                              <p:par>
+                                <p:cTn id="39" presetID="2" presetClass="entr" presetSubtype="4" fill="hold" grpId="0" nodeType="withEffect">
+                                  <p:stCondLst>
+                                    <p:cond delay="0"/>
+                                  </p:stCondLst>
+                                  <p:childTnLst>
+                                    <p:set>
+                                      <p:cBhvr>
+                                        <p:cTn id="40" dur="1" fill="hold">
+                                          <p:stCondLst>
+                                            <p:cond delay="0"/>
+                                          </p:stCondLst>
+                                        </p:cTn>
+                                        <p:tgtEl>
+                                          <p:spTgt spid="55"/>
+                                        </p:tgtEl>
+                                        <p:attrNameLst>
+                                          <p:attrName>style.visibility</p:attrName>
+                                        </p:attrNameLst>
+                                      </p:cBhvr>
+                                      <p:to>
+                                        <p:strVal val="visible"/>
+                                      </p:to>
+                                    </p:set>
+                                    <p:anim calcmode="lin" valueType="num">
+                                      <p:cBhvr additive="base">
+                                        <p:cTn id="41" dur="500" fill="hold"/>
+                                        <p:tgtEl>
+                                          <p:spTgt spid="55"/>
+                                        </p:tgtEl>
+                                        <p:attrNameLst>
+                                          <p:attrName>ppt_x</p:attrName>
+                                        </p:attrNameLst>
+                                      </p:cBhvr>
+                                      <p:tavLst>
+                                        <p:tav tm="0">
+                                          <p:val>
+                                            <p:strVal val="#ppt_x"/>
+                                          </p:val>
+                                        </p:tav>
+                                        <p:tav tm="100000">
+                                          <p:val>
+                                            <p:strVal val="#ppt_x"/>
+                                          </p:val>
+                                        </p:tav>
+                                      </p:tavLst>
+                                    </p:anim>
+                                    <p:anim calcmode="lin" valueType="num">
+                                      <p:cBhvr additive="base">
+                                        <p:cTn id="42" dur="500" fill="hold"/>
+                                        <p:tgtEl>
+                                          <p:spTgt spid="55"/>
+                                        </p:tgtEl>
+                                        <p:attrNameLst>
+                                          <p:attrName>ppt_y</p:attrName>
+                                        </p:attrNameLst>
+                                      </p:cBhvr>
+                                      <p:tavLst>
+                                        <p:tav tm="0">
+                                          <p:val>
+                                            <p:strVal val="1+#ppt_h/2"/>
+                                          </p:val>
+                                        </p:tav>
+                                        <p:tav tm="100000">
+                                          <p:val>
+                                            <p:strVal val="#ppt_y"/>
+                                          </p:val>
+                                        </p:tav>
+                                      </p:tavLst>
+                                    </p:anim>
+                                  </p:childTnLst>
+                                </p:cTn>
+                              </p:par>
+                            </p:childTnLst>
+                          </p:cTn>
+                        </p:par>
+                        <p:par>
+                          <p:cTn id="43" fill="hold">
+                            <p:stCondLst>
+                              <p:cond delay="3000"/>
+                            </p:stCondLst>
+                            <p:childTnLst>
+                              <p:par>
+                                <p:cTn id="44" presetID="10" presetClass="entr" presetSubtype="0" fill="hold" nodeType="afterEffect">
+                                  <p:stCondLst>
+                                    <p:cond delay="0"/>
+                                  </p:stCondLst>
+                                  <p:childTnLst>
+                                    <p:set>
+                                      <p:cBhvr>
+                                        <p:cTn id="45" dur="1" fill="hold">
+                                          <p:stCondLst>
+                                            <p:cond delay="0"/>
+                                          </p:stCondLst>
+                                        </p:cTn>
+                                        <p:tgtEl>
+                                          <p:spTgt spid="51"/>
+                                        </p:tgtEl>
+                                        <p:attrNameLst>
+                                          <p:attrName>style.visibility</p:attrName>
+                                        </p:attrNameLst>
+                                      </p:cBhvr>
+                                      <p:to>
+                                        <p:strVal val="visible"/>
+                                      </p:to>
+                                    </p:set>
+                                    <p:animEffect transition="in" filter="fade">
+                                      <p:cBhvr>
+                                        <p:cTn id="46" dur="500"/>
+                                        <p:tgtEl>
+                                          <p:spTgt spid="51"/>
+                                        </p:tgtEl>
+                                      </p:cBhvr>
+                                    </p:animEffect>
+                                  </p:childTnLst>
+                                </p:cTn>
+                              </p:par>
+                            </p:childTnLst>
+                          </p:cTn>
+                        </p:par>
+                        <p:par>
+                          <p:cTn id="47" fill="hold">
+                            <p:stCondLst>
+                              <p:cond delay="3500"/>
+                            </p:stCondLst>
+                            <p:childTnLst>
+                              <p:par>
+                                <p:cTn id="48" presetID="2" presetClass="entr" presetSubtype="4" fill="hold" grpId="0" nodeType="afterEffect">
+                                  <p:stCondLst>
+                                    <p:cond delay="0"/>
+                                  </p:stCondLst>
+                                  <p:childTnLst>
+                                    <p:set>
+                                      <p:cBhvr>
+                                        <p:cTn id="49" dur="1" fill="hold">
+                                          <p:stCondLst>
+                                            <p:cond delay="0"/>
+                                          </p:stCondLst>
+                                        </p:cTn>
+                                        <p:tgtEl>
+                                          <p:spTgt spid="56"/>
+                                        </p:tgtEl>
+                                        <p:attrNameLst>
+                                          <p:attrName>style.visibility</p:attrName>
+                                        </p:attrNameLst>
+                                      </p:cBhvr>
+                                      <p:to>
+                                        <p:strVal val="visible"/>
+                                      </p:to>
+                                    </p:set>
+                                    <p:anim calcmode="lin" valueType="num">
+                                      <p:cBhvr additive="base">
+                                        <p:cTn id="50" dur="500" fill="hold"/>
+                                        <p:tgtEl>
+                                          <p:spTgt spid="56"/>
+                                        </p:tgtEl>
+                                        <p:attrNameLst>
+                                          <p:attrName>ppt_x</p:attrName>
+                                        </p:attrNameLst>
+                                      </p:cBhvr>
+                                      <p:tavLst>
+                                        <p:tav tm="0">
+                                          <p:val>
+                                            <p:strVal val="#ppt_x"/>
+                                          </p:val>
+                                        </p:tav>
+                                        <p:tav tm="100000">
+                                          <p:val>
+                                            <p:strVal val="#ppt_x"/>
+                                          </p:val>
+                                        </p:tav>
+                                      </p:tavLst>
+                                    </p:anim>
+                                    <p:anim calcmode="lin" valueType="num">
+                                      <p:cBhvr additive="base">
+                                        <p:cTn id="51" dur="500" fill="hold"/>
+                                        <p:tgtEl>
+                                          <p:spTgt spid="56"/>
+                                        </p:tgtEl>
+                                        <p:attrNameLst>
+                                          <p:attrName>ppt_y</p:attrName>
+                                        </p:attrNameLst>
+                                      </p:cBhvr>
+                                      <p:tavLst>
+                                        <p:tav tm="0">
+                                          <p:val>
+                                            <p:strVal val="1+#ppt_h/2"/>
+                                          </p:val>
+                                        </p:tav>
+                                        <p:tav tm="100000">
+                                          <p:val>
+                                            <p:strVal val="#ppt_y"/>
+                                          </p:val>
+                                        </p:tav>
+                                      </p:tavLst>
+                                    </p:anim>
+                                  </p:childTnLst>
+                                </p:cTn>
+                              </p:par>
+                              <p:par>
+                                <p:cTn id="52" presetID="2" presetClass="entr" presetSubtype="4" fill="hold" grpId="0" nodeType="withEffect">
+                                  <p:stCondLst>
+                                    <p:cond delay="0"/>
+                                  </p:stCondLst>
+                                  <p:childTnLst>
+                                    <p:set>
+                                      <p:cBhvr>
+                                        <p:cTn id="53" dur="1" fill="hold">
+                                          <p:stCondLst>
+                                            <p:cond delay="0"/>
+                                          </p:stCondLst>
+                                        </p:cTn>
+                                        <p:tgtEl>
+                                          <p:spTgt spid="57"/>
+                                        </p:tgtEl>
+                                        <p:attrNameLst>
+                                          <p:attrName>style.visibility</p:attrName>
+                                        </p:attrNameLst>
+                                      </p:cBhvr>
+                                      <p:to>
+                                        <p:strVal val="visible"/>
+                                      </p:to>
+                                    </p:set>
+                                    <p:anim calcmode="lin" valueType="num">
+                                      <p:cBhvr additive="base">
+                                        <p:cTn id="54" dur="500" fill="hold"/>
+                                        <p:tgtEl>
+                                          <p:spTgt spid="57"/>
+                                        </p:tgtEl>
+                                        <p:attrNameLst>
+                                          <p:attrName>ppt_x</p:attrName>
+                                        </p:attrNameLst>
+                                      </p:cBhvr>
+                                      <p:tavLst>
+                                        <p:tav tm="0">
+                                          <p:val>
+                                            <p:strVal val="#ppt_x"/>
+                                          </p:val>
+                                        </p:tav>
+                                        <p:tav tm="100000">
+                                          <p:val>
+                                            <p:strVal val="#ppt_x"/>
+                                          </p:val>
+                                        </p:tav>
+                                      </p:tavLst>
+                                    </p:anim>
+                                    <p:anim calcmode="lin" valueType="num">
+                                      <p:cBhvr additive="base">
+                                        <p:cTn id="55" dur="500" fill="hold"/>
+                                        <p:tgtEl>
+                                          <p:spTgt spid="57"/>
+                                        </p:tgtEl>
+                                        <p:attrNameLst>
+                                          <p:attrName>ppt_y</p:attrName>
+                                        </p:attrNameLst>
+                                      </p:cBhvr>
+                                      <p:tavLst>
+                                        <p:tav tm="0">
+                                          <p:val>
+                                            <p:strVal val="1+#ppt_h/2"/>
+                                          </p:val>
+                                        </p:tav>
+                                        <p:tav tm="100000">
+                                          <p:val>
+                                            <p:strVal val="#ppt_y"/>
+                                          </p:val>
+                                        </p:tav>
+                                      </p:tavLst>
+                                    </p:anim>
+                                  </p:childTnLst>
+                                </p:cTn>
+                              </p:par>
+                            </p:childTnLst>
+                          </p:cTn>
+                        </p:par>
+                      </p:childTnLst>
+                    </p:cTn>
+                  </p:par>
+                </p:childTnLst>
+              </p:cTn>
+              <p:prevCondLst>
+                <p:cond evt="onPrev" delay="0">
+                  <p:tgtEl>
+                    <p:sldTgt/>
+                  </p:tgtEl>
+                </p:cond>
+              </p:prevCondLst>
+              <p:nextCondLst>
+                <p:cond evt="onNext" delay="0">
+                  <p:tgtEl>
+                    <p:sldTgt/>
+                  </p:tgtEl>
+                </p:cond>
+              </p:nextCondLst>
+            </p:seq>
+          </p:childTnLst>
+        </p:cTn>
+      </p:par>
+    </p:tnLst>
+    <p:bldLst>
+      <p:bldP spid="54" grpId="0"/>
+      <p:bldP spid="55" grpId="0"/>
+      <p:bldP spid="56" grpId="0"/>
+      <p:bldP spid="57" grpId="0"/>
+      <p:bldP spid="58" grpId="0"/>
+      <p:bldP spid="59" grpId="0"/>
+      <p:bldP spid="60" grpId="2"/>
+      <p:bldP spid="61" grpId="0"/>
+    </p:bldLst>
+  </p:timing>
 </p:sld>
 </file>
 
@@ -19613,6 +23034,18 @@
   <p:clrMapOvr>
     <a:masterClrMapping/>
   </p:clrMapOvr>
+  <mc:AlternateContent xmlns:mc="http://schemas.openxmlformats.org/markup-compatibility/2006" xmlns:p15="http://schemas.microsoft.com/office/powerpoint/2012/main">
+    <mc:Choice Requires="p15">
+      <p:transition xmlns:p14="http://schemas.microsoft.com/office/powerpoint/2010/main" spd="slow" p14:dur="2000">
+        <p15:prstTrans prst="crush"/>
+      </p:transition>
+    </mc:Choice>
+    <mc:Fallback xmlns="">
+      <p:transition spd="slow">
+        <p:fade/>
+      </p:transition>
+    </mc:Fallback>
+  </mc:AlternateContent>
 </p:sld>
 </file>
 
@@ -19929,7 +23362,7 @@
         <p:spPr>
           <a:xfrm>
             <a:off x="983698" y="3049057"/>
-            <a:ext cx="1231426" cy="523220"/>
+            <a:ext cx="1231426" cy="307777"/>
           </a:xfrm>
           <a:prstGeom prst="rect">
             <a:avLst/>
@@ -19964,20 +23397,6 @@
               <a:solidFill>
                 <a:srgbClr val="FF0000"/>
               </a:solidFill>
-              <a:cs typeface="Times New Roman" panose="02020603050405020304" pitchFamily="18" charset="0"/>
-            </a:endParaRPr>
-          </a:p>
-          <a:p>
-            <a:pPr algn="ctr">
-              <a:spcAft>
-                <a:spcPts val="0"/>
-              </a:spcAft>
-            </a:pPr>
-            <a:endParaRPr lang="en-US" altLang="zh-CN" sz="1400" kern="100" dirty="0">
-              <a:solidFill>
-                <a:schemeClr val="accent1"/>
-              </a:solidFill>
-              <a:latin typeface="+mj-lt"/>
               <a:cs typeface="Times New Roman" panose="02020603050405020304" pitchFamily="18" charset="0"/>
             </a:endParaRPr>
           </a:p>
@@ -21484,6 +24903,569 @@
   <p:clrMapOvr>
     <a:masterClrMapping/>
   </p:clrMapOvr>
+  <p:timing>
+    <p:tnLst>
+      <p:par>
+        <p:cTn id="1" dur="indefinite" restart="never" nodeType="tmRoot">
+          <p:childTnLst>
+            <p:seq concurrent="1" nextAc="seek">
+              <p:cTn id="2" dur="indefinite" nodeType="mainSeq">
+                <p:childTnLst>
+                  <p:par>
+                    <p:cTn id="3" fill="hold">
+                      <p:stCondLst>
+                        <p:cond delay="indefinite"/>
+                        <p:cond evt="onBegin" delay="0">
+                          <p:tn val="2"/>
+                        </p:cond>
+                      </p:stCondLst>
+                      <p:childTnLst>
+                        <p:par>
+                          <p:cTn id="4" fill="hold">
+                            <p:stCondLst>
+                              <p:cond delay="0"/>
+                            </p:stCondLst>
+                            <p:childTnLst>
+                              <p:par>
+                                <p:cTn id="5" presetID="14" presetClass="entr" presetSubtype="10" fill="hold" grpId="0" nodeType="afterEffect">
+                                  <p:stCondLst>
+                                    <p:cond delay="0"/>
+                                  </p:stCondLst>
+                                  <p:childTnLst>
+                                    <p:set>
+                                      <p:cBhvr>
+                                        <p:cTn id="6" dur="1" fill="hold">
+                                          <p:stCondLst>
+                                            <p:cond delay="0"/>
+                                          </p:stCondLst>
+                                        </p:cTn>
+                                        <p:tgtEl>
+                                          <p:spTgt spid="25"/>
+                                        </p:tgtEl>
+                                        <p:attrNameLst>
+                                          <p:attrName>style.visibility</p:attrName>
+                                        </p:attrNameLst>
+                                      </p:cBhvr>
+                                      <p:to>
+                                        <p:strVal val="visible"/>
+                                      </p:to>
+                                    </p:set>
+                                    <p:animEffect transition="in" filter="randombar(horizontal)">
+                                      <p:cBhvr>
+                                        <p:cTn id="7" dur="500"/>
+                                        <p:tgtEl>
+                                          <p:spTgt spid="25"/>
+                                        </p:tgtEl>
+                                      </p:cBhvr>
+                                    </p:animEffect>
+                                  </p:childTnLst>
+                                </p:cTn>
+                              </p:par>
+                            </p:childTnLst>
+                          </p:cTn>
+                        </p:par>
+                        <p:par>
+                          <p:cTn id="8" fill="hold">
+                            <p:stCondLst>
+                              <p:cond delay="500"/>
+                            </p:stCondLst>
+                            <p:childTnLst>
+                              <p:par>
+                                <p:cTn id="9" presetID="2" presetClass="entr" presetSubtype="4" fill="hold" grpId="0" nodeType="afterEffect">
+                                  <p:stCondLst>
+                                    <p:cond delay="0"/>
+                                  </p:stCondLst>
+                                  <p:childTnLst>
+                                    <p:set>
+                                      <p:cBhvr>
+                                        <p:cTn id="10" dur="1" fill="hold">
+                                          <p:stCondLst>
+                                            <p:cond delay="0"/>
+                                          </p:stCondLst>
+                                        </p:cTn>
+                                        <p:tgtEl>
+                                          <p:spTgt spid="28"/>
+                                        </p:tgtEl>
+                                        <p:attrNameLst>
+                                          <p:attrName>style.visibility</p:attrName>
+                                        </p:attrNameLst>
+                                      </p:cBhvr>
+                                      <p:to>
+                                        <p:strVal val="visible"/>
+                                      </p:to>
+                                    </p:set>
+                                    <p:anim calcmode="lin" valueType="num">
+                                      <p:cBhvr additive="base">
+                                        <p:cTn id="11" dur="500" fill="hold"/>
+                                        <p:tgtEl>
+                                          <p:spTgt spid="28"/>
+                                        </p:tgtEl>
+                                        <p:attrNameLst>
+                                          <p:attrName>ppt_x</p:attrName>
+                                        </p:attrNameLst>
+                                      </p:cBhvr>
+                                      <p:tavLst>
+                                        <p:tav tm="0">
+                                          <p:val>
+                                            <p:strVal val="#ppt_x"/>
+                                          </p:val>
+                                        </p:tav>
+                                        <p:tav tm="100000">
+                                          <p:val>
+                                            <p:strVal val="#ppt_x"/>
+                                          </p:val>
+                                        </p:tav>
+                                      </p:tavLst>
+                                    </p:anim>
+                                    <p:anim calcmode="lin" valueType="num">
+                                      <p:cBhvr additive="base">
+                                        <p:cTn id="12" dur="500" fill="hold"/>
+                                        <p:tgtEl>
+                                          <p:spTgt spid="28"/>
+                                        </p:tgtEl>
+                                        <p:attrNameLst>
+                                          <p:attrName>ppt_y</p:attrName>
+                                        </p:attrNameLst>
+                                      </p:cBhvr>
+                                      <p:tavLst>
+                                        <p:tav tm="0">
+                                          <p:val>
+                                            <p:strVal val="1+#ppt_h/2"/>
+                                          </p:val>
+                                        </p:tav>
+                                        <p:tav tm="100000">
+                                          <p:val>
+                                            <p:strVal val="#ppt_y"/>
+                                          </p:val>
+                                        </p:tav>
+                                      </p:tavLst>
+                                    </p:anim>
+                                  </p:childTnLst>
+                                </p:cTn>
+                              </p:par>
+                            </p:childTnLst>
+                          </p:cTn>
+                        </p:par>
+                        <p:par>
+                          <p:cTn id="13" fill="hold">
+                            <p:stCondLst>
+                              <p:cond delay="1000"/>
+                            </p:stCondLst>
+                            <p:childTnLst>
+                              <p:par>
+                                <p:cTn id="14" presetID="10" presetClass="entr" presetSubtype="0" fill="hold" grpId="0" nodeType="afterEffect">
+                                  <p:stCondLst>
+                                    <p:cond delay="0"/>
+                                  </p:stCondLst>
+                                  <p:childTnLst>
+                                    <p:set>
+                                      <p:cBhvr>
+                                        <p:cTn id="15" dur="1" fill="hold">
+                                          <p:stCondLst>
+                                            <p:cond delay="0"/>
+                                          </p:stCondLst>
+                                        </p:cTn>
+                                        <p:tgtEl>
+                                          <p:spTgt spid="29"/>
+                                        </p:tgtEl>
+                                        <p:attrNameLst>
+                                          <p:attrName>style.visibility</p:attrName>
+                                        </p:attrNameLst>
+                                      </p:cBhvr>
+                                      <p:to>
+                                        <p:strVal val="visible"/>
+                                      </p:to>
+                                    </p:set>
+                                    <p:animEffect transition="in" filter="fade">
+                                      <p:cBhvr>
+                                        <p:cTn id="16" dur="500"/>
+                                        <p:tgtEl>
+                                          <p:spTgt spid="29"/>
+                                        </p:tgtEl>
+                                      </p:cBhvr>
+                                    </p:animEffect>
+                                  </p:childTnLst>
+                                </p:cTn>
+                              </p:par>
+                            </p:childTnLst>
+                          </p:cTn>
+                        </p:par>
+                        <p:par>
+                          <p:cTn id="17" fill="hold">
+                            <p:stCondLst>
+                              <p:cond delay="1500"/>
+                            </p:stCondLst>
+                            <p:childTnLst>
+                              <p:par>
+                                <p:cTn id="18" presetID="14" presetClass="entr" presetSubtype="10" fill="hold" grpId="0" nodeType="afterEffect">
+                                  <p:stCondLst>
+                                    <p:cond delay="0"/>
+                                  </p:stCondLst>
+                                  <p:childTnLst>
+                                    <p:set>
+                                      <p:cBhvr>
+                                        <p:cTn id="19" dur="1" fill="hold">
+                                          <p:stCondLst>
+                                            <p:cond delay="0"/>
+                                          </p:stCondLst>
+                                        </p:cTn>
+                                        <p:tgtEl>
+                                          <p:spTgt spid="26"/>
+                                        </p:tgtEl>
+                                        <p:attrNameLst>
+                                          <p:attrName>style.visibility</p:attrName>
+                                        </p:attrNameLst>
+                                      </p:cBhvr>
+                                      <p:to>
+                                        <p:strVal val="visible"/>
+                                      </p:to>
+                                    </p:set>
+                                    <p:animEffect transition="in" filter="randombar(horizontal)">
+                                      <p:cBhvr>
+                                        <p:cTn id="20" dur="500"/>
+                                        <p:tgtEl>
+                                          <p:spTgt spid="26"/>
+                                        </p:tgtEl>
+                                      </p:cBhvr>
+                                    </p:animEffect>
+                                  </p:childTnLst>
+                                </p:cTn>
+                              </p:par>
+                            </p:childTnLst>
+                          </p:cTn>
+                        </p:par>
+                        <p:par>
+                          <p:cTn id="21" fill="hold">
+                            <p:stCondLst>
+                              <p:cond delay="2000"/>
+                            </p:stCondLst>
+                            <p:childTnLst>
+                              <p:par>
+                                <p:cTn id="22" presetID="2" presetClass="entr" presetSubtype="4" fill="hold" grpId="0" nodeType="afterEffect">
+                                  <p:stCondLst>
+                                    <p:cond delay="0"/>
+                                  </p:stCondLst>
+                                  <p:childTnLst>
+                                    <p:set>
+                                      <p:cBhvr>
+                                        <p:cTn id="23" dur="1" fill="hold">
+                                          <p:stCondLst>
+                                            <p:cond delay="0"/>
+                                          </p:stCondLst>
+                                        </p:cTn>
+                                        <p:tgtEl>
+                                          <p:spTgt spid="30"/>
+                                        </p:tgtEl>
+                                        <p:attrNameLst>
+                                          <p:attrName>style.visibility</p:attrName>
+                                        </p:attrNameLst>
+                                      </p:cBhvr>
+                                      <p:to>
+                                        <p:strVal val="visible"/>
+                                      </p:to>
+                                    </p:set>
+                                    <p:anim calcmode="lin" valueType="num">
+                                      <p:cBhvr additive="base">
+                                        <p:cTn id="24" dur="500" fill="hold"/>
+                                        <p:tgtEl>
+                                          <p:spTgt spid="30"/>
+                                        </p:tgtEl>
+                                        <p:attrNameLst>
+                                          <p:attrName>ppt_x</p:attrName>
+                                        </p:attrNameLst>
+                                      </p:cBhvr>
+                                      <p:tavLst>
+                                        <p:tav tm="0">
+                                          <p:val>
+                                            <p:strVal val="#ppt_x"/>
+                                          </p:val>
+                                        </p:tav>
+                                        <p:tav tm="100000">
+                                          <p:val>
+                                            <p:strVal val="#ppt_x"/>
+                                          </p:val>
+                                        </p:tav>
+                                      </p:tavLst>
+                                    </p:anim>
+                                    <p:anim calcmode="lin" valueType="num">
+                                      <p:cBhvr additive="base">
+                                        <p:cTn id="25" dur="500" fill="hold"/>
+                                        <p:tgtEl>
+                                          <p:spTgt spid="30"/>
+                                        </p:tgtEl>
+                                        <p:attrNameLst>
+                                          <p:attrName>ppt_y</p:attrName>
+                                        </p:attrNameLst>
+                                      </p:cBhvr>
+                                      <p:tavLst>
+                                        <p:tav tm="0">
+                                          <p:val>
+                                            <p:strVal val="1+#ppt_h/2"/>
+                                          </p:val>
+                                        </p:tav>
+                                        <p:tav tm="100000">
+                                          <p:val>
+                                            <p:strVal val="#ppt_y"/>
+                                          </p:val>
+                                        </p:tav>
+                                      </p:tavLst>
+                                    </p:anim>
+                                  </p:childTnLst>
+                                </p:cTn>
+                              </p:par>
+                            </p:childTnLst>
+                          </p:cTn>
+                        </p:par>
+                        <p:par>
+                          <p:cTn id="26" fill="hold">
+                            <p:stCondLst>
+                              <p:cond delay="2500"/>
+                            </p:stCondLst>
+                            <p:childTnLst>
+                              <p:par>
+                                <p:cTn id="27" presetID="10" presetClass="entr" presetSubtype="0" fill="hold" grpId="0" nodeType="afterEffect">
+                                  <p:stCondLst>
+                                    <p:cond delay="0"/>
+                                  </p:stCondLst>
+                                  <p:childTnLst>
+                                    <p:set>
+                                      <p:cBhvr>
+                                        <p:cTn id="28" dur="1" fill="hold">
+                                          <p:stCondLst>
+                                            <p:cond delay="0"/>
+                                          </p:stCondLst>
+                                        </p:cTn>
+                                        <p:tgtEl>
+                                          <p:spTgt spid="31"/>
+                                        </p:tgtEl>
+                                        <p:attrNameLst>
+                                          <p:attrName>style.visibility</p:attrName>
+                                        </p:attrNameLst>
+                                      </p:cBhvr>
+                                      <p:to>
+                                        <p:strVal val="visible"/>
+                                      </p:to>
+                                    </p:set>
+                                    <p:animEffect transition="in" filter="fade">
+                                      <p:cBhvr>
+                                        <p:cTn id="29" dur="500"/>
+                                        <p:tgtEl>
+                                          <p:spTgt spid="31"/>
+                                        </p:tgtEl>
+                                      </p:cBhvr>
+                                    </p:animEffect>
+                                  </p:childTnLst>
+                                </p:cTn>
+                              </p:par>
+                            </p:childTnLst>
+                          </p:cTn>
+                        </p:par>
+                        <p:par>
+                          <p:cTn id="30" fill="hold">
+                            <p:stCondLst>
+                              <p:cond delay="3500"/>
+                            </p:stCondLst>
+                            <p:childTnLst>
+                              <p:par>
+                                <p:cTn id="31" presetID="14" presetClass="entr" presetSubtype="10" fill="hold" grpId="0" nodeType="afterEffect">
+                                  <p:stCondLst>
+                                    <p:cond delay="0"/>
+                                  </p:stCondLst>
+                                  <p:childTnLst>
+                                    <p:set>
+                                      <p:cBhvr>
+                                        <p:cTn id="32" dur="1" fill="hold">
+                                          <p:stCondLst>
+                                            <p:cond delay="0"/>
+                                          </p:stCondLst>
+                                        </p:cTn>
+                                        <p:tgtEl>
+                                          <p:spTgt spid="27"/>
+                                        </p:tgtEl>
+                                        <p:attrNameLst>
+                                          <p:attrName>style.visibility</p:attrName>
+                                        </p:attrNameLst>
+                                      </p:cBhvr>
+                                      <p:to>
+                                        <p:strVal val="visible"/>
+                                      </p:to>
+                                    </p:set>
+                                    <p:animEffect transition="in" filter="randombar(horizontal)">
+                                      <p:cBhvr>
+                                        <p:cTn id="33" dur="500"/>
+                                        <p:tgtEl>
+                                          <p:spTgt spid="27"/>
+                                        </p:tgtEl>
+                                      </p:cBhvr>
+                                    </p:animEffect>
+                                  </p:childTnLst>
+                                </p:cTn>
+                              </p:par>
+                            </p:childTnLst>
+                          </p:cTn>
+                        </p:par>
+                        <p:par>
+                          <p:cTn id="34" fill="hold">
+                            <p:stCondLst>
+                              <p:cond delay="4000"/>
+                            </p:stCondLst>
+                            <p:childTnLst>
+                              <p:par>
+                                <p:cTn id="35" presetID="2" presetClass="entr" presetSubtype="4" fill="hold" grpId="0" nodeType="afterEffect">
+                                  <p:stCondLst>
+                                    <p:cond delay="0"/>
+                                  </p:stCondLst>
+                                  <p:childTnLst>
+                                    <p:set>
+                                      <p:cBhvr>
+                                        <p:cTn id="36" dur="1" fill="hold">
+                                          <p:stCondLst>
+                                            <p:cond delay="0"/>
+                                          </p:stCondLst>
+                                        </p:cTn>
+                                        <p:tgtEl>
+                                          <p:spTgt spid="32"/>
+                                        </p:tgtEl>
+                                        <p:attrNameLst>
+                                          <p:attrName>style.visibility</p:attrName>
+                                        </p:attrNameLst>
+                                      </p:cBhvr>
+                                      <p:to>
+                                        <p:strVal val="visible"/>
+                                      </p:to>
+                                    </p:set>
+                                    <p:anim calcmode="lin" valueType="num">
+                                      <p:cBhvr additive="base">
+                                        <p:cTn id="37" dur="500" fill="hold"/>
+                                        <p:tgtEl>
+                                          <p:spTgt spid="32"/>
+                                        </p:tgtEl>
+                                        <p:attrNameLst>
+                                          <p:attrName>ppt_x</p:attrName>
+                                        </p:attrNameLst>
+                                      </p:cBhvr>
+                                      <p:tavLst>
+                                        <p:tav tm="0">
+                                          <p:val>
+                                            <p:strVal val="#ppt_x"/>
+                                          </p:val>
+                                        </p:tav>
+                                        <p:tav tm="100000">
+                                          <p:val>
+                                            <p:strVal val="#ppt_x"/>
+                                          </p:val>
+                                        </p:tav>
+                                      </p:tavLst>
+                                    </p:anim>
+                                    <p:anim calcmode="lin" valueType="num">
+                                      <p:cBhvr additive="base">
+                                        <p:cTn id="38" dur="500" fill="hold"/>
+                                        <p:tgtEl>
+                                          <p:spTgt spid="32"/>
+                                        </p:tgtEl>
+                                        <p:attrNameLst>
+                                          <p:attrName>ppt_y</p:attrName>
+                                        </p:attrNameLst>
+                                      </p:cBhvr>
+                                      <p:tavLst>
+                                        <p:tav tm="0">
+                                          <p:val>
+                                            <p:strVal val="1+#ppt_h/2"/>
+                                          </p:val>
+                                        </p:tav>
+                                        <p:tav tm="100000">
+                                          <p:val>
+                                            <p:strVal val="#ppt_y"/>
+                                          </p:val>
+                                        </p:tav>
+                                      </p:tavLst>
+                                    </p:anim>
+                                  </p:childTnLst>
+                                </p:cTn>
+                              </p:par>
+                            </p:childTnLst>
+                          </p:cTn>
+                        </p:par>
+                        <p:par>
+                          <p:cTn id="39" fill="hold">
+                            <p:stCondLst>
+                              <p:cond delay="4500"/>
+                            </p:stCondLst>
+                            <p:childTnLst>
+                              <p:par>
+                                <p:cTn id="40" presetID="10" presetClass="entr" presetSubtype="0" fill="hold" grpId="0" nodeType="afterEffect">
+                                  <p:stCondLst>
+                                    <p:cond delay="0"/>
+                                  </p:stCondLst>
+                                  <p:childTnLst>
+                                    <p:set>
+                                      <p:cBhvr>
+                                        <p:cTn id="41" dur="1" fill="hold">
+                                          <p:stCondLst>
+                                            <p:cond delay="0"/>
+                                          </p:stCondLst>
+                                        </p:cTn>
+                                        <p:tgtEl>
+                                          <p:spTgt spid="33"/>
+                                        </p:tgtEl>
+                                        <p:attrNameLst>
+                                          <p:attrName>style.visibility</p:attrName>
+                                        </p:attrNameLst>
+                                      </p:cBhvr>
+                                      <p:to>
+                                        <p:strVal val="visible"/>
+                                      </p:to>
+                                    </p:set>
+                                    <p:animEffect transition="in" filter="fade">
+                                      <p:cBhvr>
+                                        <p:cTn id="42" dur="500"/>
+                                        <p:tgtEl>
+                                          <p:spTgt spid="33"/>
+                                        </p:tgtEl>
+                                      </p:cBhvr>
+                                    </p:animEffect>
+                                  </p:childTnLst>
+                                </p:cTn>
+                              </p:par>
+                            </p:childTnLst>
+                          </p:cTn>
+                        </p:par>
+                      </p:childTnLst>
+                    </p:cTn>
+                  </p:par>
+                </p:childTnLst>
+              </p:cTn>
+              <p:prevCondLst>
+                <p:cond evt="onPrev" delay="0">
+                  <p:tgtEl>
+                    <p:sldTgt/>
+                  </p:tgtEl>
+                </p:cond>
+              </p:prevCondLst>
+              <p:nextCondLst>
+                <p:cond evt="onNext" delay="0">
+                  <p:tgtEl>
+                    <p:sldTgt/>
+                  </p:tgtEl>
+                </p:cond>
+              </p:nextCondLst>
+            </p:seq>
+          </p:childTnLst>
+        </p:cTn>
+      </p:par>
+    </p:tnLst>
+    <p:bldLst>
+      <p:bldP spid="25" grpId="0" animBg="1"/>
+      <p:bldP spid="26" grpId="0" animBg="1"/>
+      <p:bldP spid="27" grpId="0" animBg="1"/>
+      <p:bldP spid="28" grpId="0"/>
+      <p:bldP spid="29" grpId="0"/>
+      <p:bldP spid="30" grpId="0"/>
+      <p:bldP spid="31" grpId="0"/>
+      <p:bldP spid="32" grpId="0"/>
+      <p:bldP spid="33" grpId="0"/>
+    </p:bldLst>
+  </p:timing>
 </p:sld>
 </file>
 
@@ -21991,6 +25973,18 @@
   <p:clrMapOvr>
     <a:masterClrMapping/>
   </p:clrMapOvr>
+  <mc:AlternateContent xmlns:mc="http://schemas.openxmlformats.org/markup-compatibility/2006" xmlns:p15="http://schemas.microsoft.com/office/powerpoint/2012/main">
+    <mc:Choice Requires="p15">
+      <p:transition xmlns:p14="http://schemas.microsoft.com/office/powerpoint/2010/main" spd="slow" p14:dur="1250">
+        <p15:prstTrans prst="pageCurlDouble"/>
+      </p:transition>
+    </mc:Choice>
+    <mc:Fallback xmlns="">
+      <p:transition spd="slow">
+        <p:fade/>
+      </p:transition>
+    </mc:Fallback>
+  </mc:AlternateContent>
 </p:sld>
 </file>
 
